--- a/reference_content/Slides/boosting.pptx
+++ b/reference_content/Slides/boosting.pptx
@@ -15,12 +15,15 @@
     <p:sldId id="261" r:id="rId9"/>
     <p:sldId id="260" r:id="rId10"/>
     <p:sldId id="269" r:id="rId11"/>
-    <p:sldId id="262" r:id="rId12"/>
-    <p:sldId id="271" r:id="rId13"/>
+    <p:sldId id="274" r:id="rId12"/>
+    <p:sldId id="262" r:id="rId13"/>
     <p:sldId id="266" r:id="rId14"/>
-    <p:sldId id="263" r:id="rId15"/>
-    <p:sldId id="265" r:id="rId16"/>
-    <p:sldId id="264" r:id="rId17"/>
+    <p:sldId id="271" r:id="rId15"/>
+    <p:sldId id="273" r:id="rId16"/>
+    <p:sldId id="263" r:id="rId17"/>
+    <p:sldId id="265" r:id="rId18"/>
+    <p:sldId id="272" r:id="rId19"/>
+    <p:sldId id="264" r:id="rId20"/>
   </p:sldIdLst>
   <p:sldSz cx="12192000" cy="6858000"/>
   <p:notesSz cx="6858000" cy="9144000"/>
@@ -3770,10 +3773,10 @@
       </p:sp>
       <p:pic>
         <p:nvPicPr>
-          <p:cNvPr id="3074" name="Picture 2" descr="Introduction to Ensembling techniques- Boosting | by Madhu Ramiah | Medium">
+          <p:cNvPr id="3076" name="Picture 4" descr="Understanding AdaBoost for Decision Tree | by Valentina Alto | Towards Data  Science">
             <a:extLst>
               <a:ext uri="{FF2B5EF4-FFF2-40B4-BE49-F238E27FC236}">
-                <a16:creationId xmlns:a16="http://schemas.microsoft.com/office/drawing/2014/main" id="{844F72E2-0BA5-D345-97EA-BFD745B56F96}"/>
+                <a16:creationId xmlns:a16="http://schemas.microsoft.com/office/drawing/2014/main" id="{E2A779D4-5A36-BC47-831A-64A4C5E6695B}"/>
               </a:ext>
             </a:extLst>
           </p:cNvPr>
@@ -3782,7 +3785,7 @@
           </p:cNvPicPr>
           <p:nvPr/>
         </p:nvPicPr>
-        <p:blipFill rotWithShape="1">
+        <p:blipFill>
           <a:blip r:embed="rId2">
             <a:extLst>
               <a:ext uri="{28A0092B-C50C-407E-A947-70E740481C1C}">
@@ -3790,13 +3793,15 @@
               </a:ext>
             </a:extLst>
           </a:blip>
-          <a:srcRect l="2331" t="7207" r="3514" b="5585"/>
-          <a:stretch/>
+          <a:srcRect/>
+          <a:stretch>
+            <a:fillRect/>
+          </a:stretch>
         </p:blipFill>
         <p:spPr bwMode="auto">
           <a:xfrm>
-            <a:off x="0" y="0"/>
-            <a:ext cx="13163391" cy="6858000"/>
+            <a:off x="-27083" y="986971"/>
+            <a:ext cx="12191573" cy="4862286"/>
           </a:xfrm>
           <a:prstGeom prst="rect">
             <a:avLst/>
@@ -3848,7 +3853,7 @@
           <p:cNvPr id="2" name="Title 1">
             <a:extLst>
               <a:ext uri="{FF2B5EF4-FFF2-40B4-BE49-F238E27FC236}">
-                <a16:creationId xmlns:a16="http://schemas.microsoft.com/office/drawing/2014/main" id="{35B12685-B74B-2F40-9D8C-C29BB959C210}"/>
+                <a16:creationId xmlns:a16="http://schemas.microsoft.com/office/drawing/2014/main" id="{89DA93ED-7620-0443-8E27-2A0EFD858533}"/>
               </a:ext>
             </a:extLst>
           </p:cNvPr>
@@ -3864,10 +3869,7 @@
           <a:bodyPr/>
           <a:lstStyle/>
           <a:p>
-            <a:r>
-              <a:rPr lang="en-US" dirty="0"/>
-              <a:t>Gradient Boosting</a:t>
-            </a:r>
+            <a:endParaRPr lang="en-US"/>
           </a:p>
         </p:txBody>
       </p:sp>
@@ -3876,7 +3878,7 @@
           <p:cNvPr id="3" name="Content Placeholder 2">
             <a:extLst>
               <a:ext uri="{FF2B5EF4-FFF2-40B4-BE49-F238E27FC236}">
-                <a16:creationId xmlns:a16="http://schemas.microsoft.com/office/drawing/2014/main" id="{D118F504-1382-EA44-A114-B15E2C94ED27}"/>
+                <a16:creationId xmlns:a16="http://schemas.microsoft.com/office/drawing/2014/main" id="{7A1B4181-686D-C447-8164-9A1200E4ABEA}"/>
               </a:ext>
             </a:extLst>
           </p:cNvPr>
@@ -3892,99 +3894,16 @@
           <a:bodyPr/>
           <a:lstStyle/>
           <a:p>
-            <a:r>
-              <a:rPr lang="en-US" dirty="0"/>
-              <a:t>Gradient boosting is an ensemble that focuses on loss (residuals) to train the models. </a:t>
-            </a:r>
-          </a:p>
-        </p:txBody>
-      </p:sp>
-    </p:spTree>
-    <p:extLst>
-      <p:ext uri="{BB962C8B-B14F-4D97-AF65-F5344CB8AC3E}">
-        <p14:creationId xmlns:p14="http://schemas.microsoft.com/office/powerpoint/2010/main" val="2330224921"/>
-      </p:ext>
-    </p:extLst>
-  </p:cSld>
-  <p:clrMapOvr>
-    <a:masterClrMapping/>
-  </p:clrMapOvr>
-</p:sld>
-</file>
-
-<file path=ppt/slides/slide12.xml><?xml version="1.0" encoding="utf-8"?>
-<p:sld xmlns:a="http://schemas.openxmlformats.org/drawingml/2006/main" xmlns:r="http://schemas.openxmlformats.org/officeDocument/2006/relationships" xmlns:p="http://schemas.openxmlformats.org/presentationml/2006/main">
-  <p:cSld>
-    <p:spTree>
-      <p:nvGrpSpPr>
-        <p:cNvPr id="1" name=""/>
-        <p:cNvGrpSpPr/>
-        <p:nvPr/>
-      </p:nvGrpSpPr>
-      <p:grpSpPr>
-        <a:xfrm>
-          <a:off x="0" y="0"/>
-          <a:ext cx="0" cy="0"/>
-          <a:chOff x="0" y="0"/>
-          <a:chExt cx="0" cy="0"/>
-        </a:xfrm>
-      </p:grpSpPr>
-      <p:sp>
-        <p:nvSpPr>
-          <p:cNvPr id="2" name="Title 1">
+            <a:endParaRPr lang="en-US"/>
+          </a:p>
+        </p:txBody>
+      </p:sp>
+      <p:pic>
+        <p:nvPicPr>
+          <p:cNvPr id="8194" name="Picture 2" descr="Adaboost | Python">
             <a:extLst>
               <a:ext uri="{FF2B5EF4-FFF2-40B4-BE49-F238E27FC236}">
-                <a16:creationId xmlns:a16="http://schemas.microsoft.com/office/drawing/2014/main" id="{D8EC096F-A097-CD41-9391-952D94C76E66}"/>
-              </a:ext>
-            </a:extLst>
-          </p:cNvPr>
-          <p:cNvSpPr>
-            <a:spLocks noGrp="1"/>
-          </p:cNvSpPr>
-          <p:nvPr>
-            <p:ph type="title"/>
-          </p:nvPr>
-        </p:nvSpPr>
-        <p:spPr/>
-        <p:txBody>
-          <a:bodyPr/>
-          <a:lstStyle/>
-          <a:p>
-            <a:endParaRPr lang="en-US"/>
-          </a:p>
-        </p:txBody>
-      </p:sp>
-      <p:sp>
-        <p:nvSpPr>
-          <p:cNvPr id="3" name="Content Placeholder 2">
-            <a:extLst>
-              <a:ext uri="{FF2B5EF4-FFF2-40B4-BE49-F238E27FC236}">
-                <a16:creationId xmlns:a16="http://schemas.microsoft.com/office/drawing/2014/main" id="{8C3FD453-3A75-3A4F-829D-5E060093B3A6}"/>
-              </a:ext>
-            </a:extLst>
-          </p:cNvPr>
-          <p:cNvSpPr>
-            <a:spLocks noGrp="1"/>
-          </p:cNvSpPr>
-          <p:nvPr>
-            <p:ph idx="1"/>
-          </p:nvPr>
-        </p:nvSpPr>
-        <p:spPr/>
-        <p:txBody>
-          <a:bodyPr/>
-          <a:lstStyle/>
-          <a:p>
-            <a:endParaRPr lang="en-US"/>
-          </a:p>
-        </p:txBody>
-      </p:sp>
-      <p:pic>
-        <p:nvPicPr>
-          <p:cNvPr id="5122" name="Picture 2" descr="Gradient Boosting Machine | Gradient Boosting Machine for Data Science">
-            <a:extLst>
-              <a:ext uri="{FF2B5EF4-FFF2-40B4-BE49-F238E27FC236}">
-                <a16:creationId xmlns:a16="http://schemas.microsoft.com/office/drawing/2014/main" id="{33B5B721-2577-594D-B2FA-3E9BEF20127E}"/>
+                <a16:creationId xmlns:a16="http://schemas.microsoft.com/office/drawing/2014/main" id="{B1767790-8EEE-7547-A0F2-272FA036D8B2}"/>
               </a:ext>
             </a:extLst>
           </p:cNvPr>
@@ -4029,7 +3948,167 @@
     </p:spTree>
     <p:extLst>
       <p:ext uri="{BB962C8B-B14F-4D97-AF65-F5344CB8AC3E}">
-        <p14:creationId xmlns:p14="http://schemas.microsoft.com/office/powerpoint/2010/main" val="2978946559"/>
+        <p14:creationId xmlns:p14="http://schemas.microsoft.com/office/powerpoint/2010/main" val="2536215090"/>
+      </p:ext>
+    </p:extLst>
+  </p:cSld>
+  <p:clrMapOvr>
+    <a:masterClrMapping/>
+  </p:clrMapOvr>
+</p:sld>
+</file>
+
+<file path=ppt/slides/slide12.xml><?xml version="1.0" encoding="utf-8"?>
+<p:sld xmlns:a="http://schemas.openxmlformats.org/drawingml/2006/main" xmlns:r="http://schemas.openxmlformats.org/officeDocument/2006/relationships" xmlns:p="http://schemas.openxmlformats.org/presentationml/2006/main">
+  <p:cSld>
+    <p:spTree>
+      <p:nvGrpSpPr>
+        <p:cNvPr id="1" name=""/>
+        <p:cNvGrpSpPr/>
+        <p:nvPr/>
+      </p:nvGrpSpPr>
+      <p:grpSpPr>
+        <a:xfrm>
+          <a:off x="0" y="0"/>
+          <a:ext cx="0" cy="0"/>
+          <a:chOff x="0" y="0"/>
+          <a:chExt cx="0" cy="0"/>
+        </a:xfrm>
+      </p:grpSpPr>
+      <p:sp>
+        <p:nvSpPr>
+          <p:cNvPr id="2" name="Title 1">
+            <a:extLst>
+              <a:ext uri="{FF2B5EF4-FFF2-40B4-BE49-F238E27FC236}">
+                <a16:creationId xmlns:a16="http://schemas.microsoft.com/office/drawing/2014/main" id="{35B12685-B74B-2F40-9D8C-C29BB959C210}"/>
+              </a:ext>
+            </a:extLst>
+          </p:cNvPr>
+          <p:cNvSpPr>
+            <a:spLocks noGrp="1"/>
+          </p:cNvSpPr>
+          <p:nvPr>
+            <p:ph type="title"/>
+          </p:nvPr>
+        </p:nvSpPr>
+        <p:spPr/>
+        <p:txBody>
+          <a:bodyPr/>
+          <a:lstStyle/>
+          <a:p>
+            <a:r>
+              <a:rPr lang="en-US" dirty="0"/>
+              <a:t>Gradient Boosting</a:t>
+            </a:r>
+          </a:p>
+        </p:txBody>
+      </p:sp>
+      <p:sp>
+        <p:nvSpPr>
+          <p:cNvPr id="3" name="Content Placeholder 2">
+            <a:extLst>
+              <a:ext uri="{FF2B5EF4-FFF2-40B4-BE49-F238E27FC236}">
+                <a16:creationId xmlns:a16="http://schemas.microsoft.com/office/drawing/2014/main" id="{D118F504-1382-EA44-A114-B15E2C94ED27}"/>
+              </a:ext>
+            </a:extLst>
+          </p:cNvPr>
+          <p:cNvSpPr>
+            <a:spLocks noGrp="1"/>
+          </p:cNvSpPr>
+          <p:nvPr>
+            <p:ph idx="1"/>
+          </p:nvPr>
+        </p:nvSpPr>
+        <p:spPr>
+          <a:xfrm>
+            <a:off x="1451579" y="2015732"/>
+            <a:ext cx="9603275" cy="4150892"/>
+          </a:xfrm>
+        </p:spPr>
+        <p:txBody>
+          <a:bodyPr/>
+          <a:lstStyle/>
+          <a:p>
+            <a:r>
+              <a:rPr lang="en-US" dirty="0"/>
+              <a:t>Gradient boosting is an ensemble that focuses on loss (residuals) to train the models. </a:t>
+            </a:r>
+          </a:p>
+          <a:p>
+            <a:r>
+              <a:rPr lang="en-US" dirty="0"/>
+              <a:t>The algorithm’s (regression version is easier to picture) process is:</a:t>
+            </a:r>
+          </a:p>
+          <a:p>
+            <a:pPr lvl="1"/>
+            <a:r>
+              <a:rPr lang="en-US" dirty="0"/>
+              <a:t>Make initial predictions (this can be a guess). Calculate residuals for each prediction. </a:t>
+            </a:r>
+          </a:p>
+          <a:p>
+            <a:pPr lvl="1"/>
+            <a:r>
+              <a:rPr lang="en-US" dirty="0"/>
+              <a:t>Fit the next model to the residuals from the previous round. </a:t>
+            </a:r>
+          </a:p>
+          <a:p>
+            <a:pPr lvl="1"/>
+            <a:r>
+              <a:rPr lang="en-US" dirty="0"/>
+              <a:t>Repeat until limit or cutoff is reached. </a:t>
+            </a:r>
+          </a:p>
+          <a:p>
+            <a:pPr lvl="1"/>
+            <a:r>
+              <a:rPr lang="en-US" dirty="0"/>
+              <a:t>Predictions are incremented by the set of residual predictions:</a:t>
+            </a:r>
+          </a:p>
+          <a:p>
+            <a:pPr lvl="2"/>
+            <a:r>
+              <a:rPr lang="en-CA" dirty="0"/>
+              <a:t>y(</a:t>
+            </a:r>
+            <a:r>
+              <a:rPr lang="en-CA" dirty="0" err="1"/>
+              <a:t>pred</a:t>
+            </a:r>
+            <a:r>
+              <a:rPr lang="en-CA" dirty="0"/>
+              <a:t>) = y1 + (eta * r1) + (eta * r2) + ....... + (eta * </a:t>
+            </a:r>
+            <a:r>
+              <a:rPr lang="en-CA" dirty="0" err="1"/>
+              <a:t>rN</a:t>
+            </a:r>
+            <a:r>
+              <a:rPr lang="en-CA" dirty="0"/>
+              <a:t>)</a:t>
+            </a:r>
+          </a:p>
+          <a:p>
+            <a:r>
+              <a:rPr lang="en-US" dirty="0"/>
+              <a:t>Result – each subsequent tree “bumps’ a prediction a little closer to the true value. </a:t>
+            </a:r>
+          </a:p>
+          <a:p>
+            <a:r>
+              <a:rPr lang="en-US" dirty="0"/>
+              <a:t>Any differentiable loss function can be gradient boosted. </a:t>
+            </a:r>
+          </a:p>
+        </p:txBody>
+      </p:sp>
+    </p:spTree>
+    <p:extLst>
+      <p:ext uri="{BB962C8B-B14F-4D97-AF65-F5344CB8AC3E}">
+        <p14:creationId xmlns:p14="http://schemas.microsoft.com/office/powerpoint/2010/main" val="2330224921"/>
       </p:ext>
     </p:extLst>
   </p:cSld>
@@ -4188,7 +4267,7 @@
           <p:cNvPr id="2" name="Title 1">
             <a:extLst>
               <a:ext uri="{FF2B5EF4-FFF2-40B4-BE49-F238E27FC236}">
-                <a16:creationId xmlns:a16="http://schemas.microsoft.com/office/drawing/2014/main" id="{DC144B30-6FC5-6B4B-8B10-45FE64DA2645}"/>
+                <a16:creationId xmlns:a16="http://schemas.microsoft.com/office/drawing/2014/main" id="{D8EC096F-A097-CD41-9391-952D94C76E66}"/>
               </a:ext>
             </a:extLst>
           </p:cNvPr>
@@ -4204,14 +4283,7 @@
           <a:bodyPr/>
           <a:lstStyle/>
           <a:p>
-            <a:r>
-              <a:rPr lang="en-US" dirty="0" err="1"/>
-              <a:t>XGBoost</a:t>
-            </a:r>
-            <a:r>
-              <a:rPr lang="en-US" dirty="0"/>
-              <a:t> – Extreme Gradient Boosting</a:t>
-            </a:r>
+            <a:endParaRPr lang="en-US"/>
           </a:p>
         </p:txBody>
       </p:sp>
@@ -4220,7 +4292,7 @@
           <p:cNvPr id="3" name="Content Placeholder 2">
             <a:extLst>
               <a:ext uri="{FF2B5EF4-FFF2-40B4-BE49-F238E27FC236}">
-                <a16:creationId xmlns:a16="http://schemas.microsoft.com/office/drawing/2014/main" id="{5F4ECAFD-2A7C-8147-85A7-D2AD8E9B8210}"/>
+                <a16:creationId xmlns:a16="http://schemas.microsoft.com/office/drawing/2014/main" id="{8C3FD453-3A75-3A4F-829D-5E060093B3A6}"/>
               </a:ext>
             </a:extLst>
           </p:cNvPr>
@@ -4231,96 +4303,303 @@
             <p:ph idx="1"/>
           </p:nvPr>
         </p:nvSpPr>
-        <p:spPr>
+        <p:spPr/>
+        <p:txBody>
+          <a:bodyPr/>
+          <a:lstStyle/>
+          <a:p>
+            <a:endParaRPr lang="en-US"/>
+          </a:p>
+        </p:txBody>
+      </p:sp>
+      <p:grpSp>
+        <p:nvGrpSpPr>
+          <p:cNvPr id="5" name="Group 4">
+            <a:extLst>
+              <a:ext uri="{FF2B5EF4-FFF2-40B4-BE49-F238E27FC236}">
+                <a16:creationId xmlns:a16="http://schemas.microsoft.com/office/drawing/2014/main" id="{E3BD65F5-5358-3C43-B9E1-836846BD3835}"/>
+              </a:ext>
+            </a:extLst>
+          </p:cNvPr>
+          <p:cNvGrpSpPr/>
+          <p:nvPr/>
+        </p:nvGrpSpPr>
+        <p:grpSpPr>
           <a:xfrm>
-            <a:off x="1103243" y="2015732"/>
-            <a:ext cx="10287000" cy="4037749"/>
+            <a:off x="0" y="0"/>
+            <a:ext cx="12192000" cy="6858000"/>
+            <a:chOff x="0" y="0"/>
+            <a:chExt cx="12192000" cy="6858000"/>
           </a:xfrm>
-        </p:spPr>
-        <p:txBody>
-          <a:bodyPr/>
-          <a:lstStyle/>
-          <a:p>
-            <a:r>
-              <a:rPr lang="en-US" dirty="0" err="1"/>
-              <a:t>XGboost</a:t>
-            </a:r>
-            <a:r>
-              <a:rPr lang="en-US" dirty="0"/>
-              <a:t> is a current “champion” of non-neural network algorithms. </a:t>
-            </a:r>
-          </a:p>
-          <a:p>
-            <a:pPr lvl="1"/>
-            <a:r>
-              <a:rPr lang="en-US" dirty="0" err="1"/>
-              <a:t>LightGBM</a:t>
-            </a:r>
-            <a:r>
-              <a:rPr lang="en-US" dirty="0"/>
-              <a:t> (by MS) is similar to </a:t>
-            </a:r>
-            <a:r>
-              <a:rPr lang="en-US" dirty="0" err="1"/>
-              <a:t>xgboost</a:t>
-            </a:r>
-            <a:r>
-              <a:rPr lang="en-US" dirty="0"/>
-              <a:t>, but often faster. Trees get deeper. </a:t>
-            </a:r>
-          </a:p>
-          <a:p>
-            <a:r>
-              <a:rPr lang="en-US" dirty="0"/>
-              <a:t>New – only developed in 2014. Mostly by one dude!</a:t>
-            </a:r>
-          </a:p>
-          <a:p>
-            <a:r>
-              <a:rPr lang="en-US" dirty="0"/>
-              <a:t>Applies many tricks/optimizations to gradient boosting. </a:t>
-            </a:r>
-          </a:p>
-          <a:p>
-            <a:pPr lvl="1"/>
-            <a:r>
-              <a:rPr lang="en-US" dirty="0"/>
-              <a:t>Parallelized and written to optimally utilize hardware for speed. </a:t>
-            </a:r>
-          </a:p>
-          <a:p>
-            <a:pPr lvl="1"/>
-            <a:r>
-              <a:rPr lang="en-US" dirty="0"/>
-              <a:t>Built in cross validation and regularization. </a:t>
-            </a:r>
-          </a:p>
-          <a:p>
-            <a:pPr lvl="1"/>
-            <a:r>
-              <a:rPr lang="en-US" dirty="0"/>
-              <a:t>Handles sparse or dense data by default, as well as data that is too large for memory. </a:t>
-            </a:r>
-          </a:p>
-          <a:p>
-            <a:pPr lvl="1"/>
-            <a:r>
-              <a:rPr lang="en-US" dirty="0"/>
-              <a:t>Revised methods to efficiently find internal calculations like tree split points. </a:t>
-            </a:r>
-          </a:p>
-          <a:p>
-            <a:r>
-              <a:rPr lang="en-US" dirty="0"/>
-              <a:t>Effectively – gradient boosting + all the “extra stuff” that can make algorithms faster and better. </a:t>
-            </a:r>
-          </a:p>
-        </p:txBody>
-      </p:sp>
+        </p:grpSpPr>
+        <p:pic>
+          <p:nvPicPr>
+            <p:cNvPr id="5122" name="Picture 2" descr="Gradient Boosting Machine | Gradient Boosting Machine for Data Science">
+              <a:extLst>
+                <a:ext uri="{FF2B5EF4-FFF2-40B4-BE49-F238E27FC236}">
+                  <a16:creationId xmlns:a16="http://schemas.microsoft.com/office/drawing/2014/main" id="{33B5B721-2577-594D-B2FA-3E9BEF20127E}"/>
+                </a:ext>
+              </a:extLst>
+            </p:cNvPr>
+            <p:cNvPicPr>
+              <a:picLocks noChangeAspect="1" noChangeArrowheads="1"/>
+            </p:cNvPicPr>
+            <p:nvPr/>
+          </p:nvPicPr>
+          <p:blipFill>
+            <a:blip r:embed="rId2">
+              <a:extLst>
+                <a:ext uri="{28A0092B-C50C-407E-A947-70E740481C1C}">
+                  <a14:useLocalDpi xmlns:a14="http://schemas.microsoft.com/office/drawing/2010/main" val="0"/>
+                </a:ext>
+              </a:extLst>
+            </a:blip>
+            <a:srcRect/>
+            <a:stretch>
+              <a:fillRect/>
+            </a:stretch>
+          </p:blipFill>
+          <p:spPr bwMode="auto">
+            <a:xfrm>
+              <a:off x="0" y="0"/>
+              <a:ext cx="12192000" cy="6858000"/>
+            </a:xfrm>
+            <a:prstGeom prst="rect">
+              <a:avLst/>
+            </a:prstGeom>
+            <a:noFill/>
+            <a:extLst>
+              <a:ext uri="{909E8E84-426E-40DD-AFC4-6F175D3DCCD1}">
+                <a14:hiddenFill xmlns:a14="http://schemas.microsoft.com/office/drawing/2010/main">
+                  <a:solidFill>
+                    <a:srgbClr val="FFFFFF"/>
+                  </a:solidFill>
+                </a14:hiddenFill>
+              </a:ext>
+            </a:extLst>
+          </p:spPr>
+        </p:pic>
+        <p:sp>
+          <p:nvSpPr>
+            <p:cNvPr id="4" name="Rectangle 3">
+              <a:extLst>
+                <a:ext uri="{FF2B5EF4-FFF2-40B4-BE49-F238E27FC236}">
+                  <a16:creationId xmlns:a16="http://schemas.microsoft.com/office/drawing/2014/main" id="{25F5F122-4AD8-4449-B5D7-1837DE618670}"/>
+                </a:ext>
+              </a:extLst>
+            </p:cNvPr>
+            <p:cNvSpPr/>
+            <p:nvPr/>
+          </p:nvSpPr>
+          <p:spPr>
+            <a:xfrm>
+              <a:off x="4175688" y="2658273"/>
+              <a:ext cx="1310711" cy="575581"/>
+            </a:xfrm>
+            <a:prstGeom prst="rect">
+              <a:avLst/>
+            </a:prstGeom>
+            <a:solidFill>
+              <a:schemeClr val="bg1"/>
+            </a:solidFill>
+            <a:ln>
+              <a:solidFill>
+                <a:schemeClr val="bg1"/>
+              </a:solidFill>
+            </a:ln>
+          </p:spPr>
+          <p:style>
+            <a:lnRef idx="2">
+              <a:schemeClr val="accent1">
+                <a:shade val="50000"/>
+              </a:schemeClr>
+            </a:lnRef>
+            <a:fillRef idx="1">
+              <a:schemeClr val="accent1"/>
+            </a:fillRef>
+            <a:effectRef idx="0">
+              <a:schemeClr val="accent1"/>
+            </a:effectRef>
+            <a:fontRef idx="minor">
+              <a:schemeClr val="lt1"/>
+            </a:fontRef>
+          </p:style>
+          <p:txBody>
+            <a:bodyPr rtlCol="0" anchor="ctr"/>
+            <a:lstStyle/>
+            <a:p>
+              <a:pPr algn="ctr"/>
+              <a:endParaRPr lang="en-US"/>
+            </a:p>
+          </p:txBody>
+        </p:sp>
+        <p:sp>
+          <p:nvSpPr>
+            <p:cNvPr id="6" name="Rectangle 5">
+              <a:extLst>
+                <a:ext uri="{FF2B5EF4-FFF2-40B4-BE49-F238E27FC236}">
+                  <a16:creationId xmlns:a16="http://schemas.microsoft.com/office/drawing/2014/main" id="{E2743506-4D8C-B44B-A9E8-D922AB0B5B9E}"/>
+                </a:ext>
+              </a:extLst>
+            </p:cNvPr>
+            <p:cNvSpPr/>
+            <p:nvPr/>
+          </p:nvSpPr>
+          <p:spPr>
+            <a:xfrm>
+              <a:off x="6096000" y="3345932"/>
+              <a:ext cx="1310711" cy="575581"/>
+            </a:xfrm>
+            <a:prstGeom prst="rect">
+              <a:avLst/>
+            </a:prstGeom>
+            <a:solidFill>
+              <a:schemeClr val="bg1"/>
+            </a:solidFill>
+            <a:ln>
+              <a:solidFill>
+                <a:schemeClr val="bg1"/>
+              </a:solidFill>
+            </a:ln>
+          </p:spPr>
+          <p:style>
+            <a:lnRef idx="2">
+              <a:schemeClr val="accent1">
+                <a:shade val="50000"/>
+              </a:schemeClr>
+            </a:lnRef>
+            <a:fillRef idx="1">
+              <a:schemeClr val="accent1"/>
+            </a:fillRef>
+            <a:effectRef idx="0">
+              <a:schemeClr val="accent1"/>
+            </a:effectRef>
+            <a:fontRef idx="minor">
+              <a:schemeClr val="lt1"/>
+            </a:fontRef>
+          </p:style>
+          <p:txBody>
+            <a:bodyPr rtlCol="0" anchor="ctr"/>
+            <a:lstStyle/>
+            <a:p>
+              <a:pPr algn="ctr"/>
+              <a:endParaRPr lang="en-US"/>
+            </a:p>
+          </p:txBody>
+        </p:sp>
+        <p:sp>
+          <p:nvSpPr>
+            <p:cNvPr id="7" name="Rectangle 6">
+              <a:extLst>
+                <a:ext uri="{FF2B5EF4-FFF2-40B4-BE49-F238E27FC236}">
+                  <a16:creationId xmlns:a16="http://schemas.microsoft.com/office/drawing/2014/main" id="{340ECAD2-EFF2-5743-A2D0-45492F4F7C92}"/>
+                </a:ext>
+              </a:extLst>
+            </p:cNvPr>
+            <p:cNvSpPr/>
+            <p:nvPr/>
+          </p:nvSpPr>
+          <p:spPr>
+            <a:xfrm>
+              <a:off x="8420586" y="4182273"/>
+              <a:ext cx="1310711" cy="575581"/>
+            </a:xfrm>
+            <a:prstGeom prst="rect">
+              <a:avLst/>
+            </a:prstGeom>
+            <a:solidFill>
+              <a:schemeClr val="bg1"/>
+            </a:solidFill>
+            <a:ln>
+              <a:solidFill>
+                <a:schemeClr val="bg1"/>
+              </a:solidFill>
+            </a:ln>
+          </p:spPr>
+          <p:style>
+            <a:lnRef idx="2">
+              <a:schemeClr val="accent1">
+                <a:shade val="50000"/>
+              </a:schemeClr>
+            </a:lnRef>
+            <a:fillRef idx="1">
+              <a:schemeClr val="accent1"/>
+            </a:fillRef>
+            <a:effectRef idx="0">
+              <a:schemeClr val="accent1"/>
+            </a:effectRef>
+            <a:fontRef idx="minor">
+              <a:schemeClr val="lt1"/>
+            </a:fontRef>
+          </p:style>
+          <p:txBody>
+            <a:bodyPr rtlCol="0" anchor="ctr"/>
+            <a:lstStyle/>
+            <a:p>
+              <a:pPr algn="ctr"/>
+              <a:endParaRPr lang="en-US"/>
+            </a:p>
+          </p:txBody>
+        </p:sp>
+        <p:sp>
+          <p:nvSpPr>
+            <p:cNvPr id="8" name="Rectangle 7">
+              <a:extLst>
+                <a:ext uri="{FF2B5EF4-FFF2-40B4-BE49-F238E27FC236}">
+                  <a16:creationId xmlns:a16="http://schemas.microsoft.com/office/drawing/2014/main" id="{6D6CA325-F19D-A246-8360-E5F1C7288C23}"/>
+                </a:ext>
+              </a:extLst>
+            </p:cNvPr>
+            <p:cNvSpPr/>
+            <p:nvPr/>
+          </p:nvSpPr>
+          <p:spPr>
+            <a:xfrm>
+              <a:off x="10740039" y="5663918"/>
+              <a:ext cx="1310711" cy="575581"/>
+            </a:xfrm>
+            <a:prstGeom prst="rect">
+              <a:avLst/>
+            </a:prstGeom>
+            <a:solidFill>
+              <a:schemeClr val="bg1"/>
+            </a:solidFill>
+            <a:ln>
+              <a:solidFill>
+                <a:schemeClr val="bg1"/>
+              </a:solidFill>
+            </a:ln>
+          </p:spPr>
+          <p:style>
+            <a:lnRef idx="2">
+              <a:schemeClr val="accent1">
+                <a:shade val="50000"/>
+              </a:schemeClr>
+            </a:lnRef>
+            <a:fillRef idx="1">
+              <a:schemeClr val="accent1"/>
+            </a:fillRef>
+            <a:effectRef idx="0">
+              <a:schemeClr val="accent1"/>
+            </a:effectRef>
+            <a:fontRef idx="minor">
+              <a:schemeClr val="lt1"/>
+            </a:fontRef>
+          </p:style>
+          <p:txBody>
+            <a:bodyPr rtlCol="0" anchor="ctr"/>
+            <a:lstStyle/>
+            <a:p>
+              <a:pPr algn="ctr"/>
+              <a:endParaRPr lang="en-US"/>
+            </a:p>
+          </p:txBody>
+        </p:sp>
+      </p:grpSp>
     </p:spTree>
     <p:extLst>
       <p:ext uri="{BB962C8B-B14F-4D97-AF65-F5344CB8AC3E}">
-        <p14:creationId xmlns:p14="http://schemas.microsoft.com/office/powerpoint/2010/main" val="763310812"/>
+        <p14:creationId xmlns:p14="http://schemas.microsoft.com/office/powerpoint/2010/main" val="2978946559"/>
       </p:ext>
     </p:extLst>
   </p:cSld>
@@ -4352,7 +4631,7 @@
           <p:cNvPr id="2" name="Title 1">
             <a:extLst>
               <a:ext uri="{FF2B5EF4-FFF2-40B4-BE49-F238E27FC236}">
-                <a16:creationId xmlns:a16="http://schemas.microsoft.com/office/drawing/2014/main" id="{4EAC0E8D-3DF8-F34F-8FD2-602F9A93A905}"/>
+                <a16:creationId xmlns:a16="http://schemas.microsoft.com/office/drawing/2014/main" id="{005585CB-DAA7-6442-B4F9-7BE26149DE47}"/>
               </a:ext>
             </a:extLst>
           </p:cNvPr>
@@ -4368,10 +4647,7 @@
           <a:bodyPr/>
           <a:lstStyle/>
           <a:p>
-            <a:r>
-              <a:rPr lang="en-US" dirty="0"/>
-              <a:t>Other Ensembles - Stacking</a:t>
-            </a:r>
+            <a:endParaRPr lang="en-US"/>
           </a:p>
         </p:txBody>
       </p:sp>
@@ -4380,7 +4656,7 @@
           <p:cNvPr id="3" name="Content Placeholder 2">
             <a:extLst>
               <a:ext uri="{FF2B5EF4-FFF2-40B4-BE49-F238E27FC236}">
-                <a16:creationId xmlns:a16="http://schemas.microsoft.com/office/drawing/2014/main" id="{1037789D-FE7B-3A46-AF9F-F6348271B017}"/>
+                <a16:creationId xmlns:a16="http://schemas.microsoft.com/office/drawing/2014/main" id="{CA28FB0F-93B1-E547-83A3-01BB02851281}"/>
               </a:ext>
             </a:extLst>
           </p:cNvPr>
@@ -4396,27 +4672,44 @@
           <a:bodyPr/>
           <a:lstStyle/>
           <a:p>
-            <a:r>
-              <a:rPr lang="en-US" dirty="0"/>
-              <a:t>Stacking is an ensemble technique that uses another model that is used to do the “blending” step for the final predictions. </a:t>
-            </a:r>
-          </a:p>
-          <a:p>
-            <a:pPr lvl="1"/>
-            <a:r>
-              <a:rPr lang="en-US" dirty="0"/>
-              <a:t>I.e. rather than taking a “vote” of all the predictions like one would for a random forest classification, those predictions are the feature set of another model (e.g. log. reg.)</a:t>
-            </a:r>
-          </a:p>
-          <a:p>
-            <a:endParaRPr lang="en-US" dirty="0"/>
-          </a:p>
-        </p:txBody>
-      </p:sp>
+            <a:endParaRPr lang="en-US"/>
+          </a:p>
+        </p:txBody>
+      </p:sp>
+      <p:pic>
+        <p:nvPicPr>
+          <p:cNvPr id="4" name="Picture 3">
+            <a:extLst>
+              <a:ext uri="{FF2B5EF4-FFF2-40B4-BE49-F238E27FC236}">
+                <a16:creationId xmlns:a16="http://schemas.microsoft.com/office/drawing/2014/main" id="{EEB651EF-B499-FA4C-9A10-26BADAE83690}"/>
+              </a:ext>
+            </a:extLst>
+          </p:cNvPr>
+          <p:cNvPicPr>
+            <a:picLocks noChangeAspect="1"/>
+          </p:cNvPicPr>
+          <p:nvPr/>
+        </p:nvPicPr>
+        <p:blipFill>
+          <a:blip r:embed="rId2"/>
+          <a:stretch>
+            <a:fillRect/>
+          </a:stretch>
+        </p:blipFill>
+        <p:spPr>
+          <a:xfrm>
+            <a:off x="2735637" y="287"/>
+            <a:ext cx="6720725" cy="6872217"/>
+          </a:xfrm>
+          <a:prstGeom prst="rect">
+            <a:avLst/>
+          </a:prstGeom>
+        </p:spPr>
+      </p:pic>
     </p:spTree>
     <p:extLst>
       <p:ext uri="{BB962C8B-B14F-4D97-AF65-F5344CB8AC3E}">
-        <p14:creationId xmlns:p14="http://schemas.microsoft.com/office/powerpoint/2010/main" val="3393901998"/>
+        <p14:creationId xmlns:p14="http://schemas.microsoft.com/office/powerpoint/2010/main" val="2459392408"/>
       </p:ext>
     </p:extLst>
   </p:cSld>
@@ -4448,6 +4741,452 @@
           <p:cNvPr id="2" name="Title 1">
             <a:extLst>
               <a:ext uri="{FF2B5EF4-FFF2-40B4-BE49-F238E27FC236}">
+                <a16:creationId xmlns:a16="http://schemas.microsoft.com/office/drawing/2014/main" id="{DC144B30-6FC5-6B4B-8B10-45FE64DA2645}"/>
+              </a:ext>
+            </a:extLst>
+          </p:cNvPr>
+          <p:cNvSpPr>
+            <a:spLocks noGrp="1"/>
+          </p:cNvSpPr>
+          <p:nvPr>
+            <p:ph type="title"/>
+          </p:nvPr>
+        </p:nvSpPr>
+        <p:spPr/>
+        <p:txBody>
+          <a:bodyPr/>
+          <a:lstStyle/>
+          <a:p>
+            <a:r>
+              <a:rPr lang="en-US" dirty="0" err="1"/>
+              <a:t>XGBoost</a:t>
+            </a:r>
+            <a:r>
+              <a:rPr lang="en-US" dirty="0"/>
+              <a:t> – Extreme Gradient Boosting</a:t>
+            </a:r>
+          </a:p>
+        </p:txBody>
+      </p:sp>
+      <p:sp>
+        <p:nvSpPr>
+          <p:cNvPr id="3" name="Content Placeholder 2">
+            <a:extLst>
+              <a:ext uri="{FF2B5EF4-FFF2-40B4-BE49-F238E27FC236}">
+                <a16:creationId xmlns:a16="http://schemas.microsoft.com/office/drawing/2014/main" id="{5F4ECAFD-2A7C-8147-85A7-D2AD8E9B8210}"/>
+              </a:ext>
+            </a:extLst>
+          </p:cNvPr>
+          <p:cNvSpPr>
+            <a:spLocks noGrp="1"/>
+          </p:cNvSpPr>
+          <p:nvPr>
+            <p:ph idx="1"/>
+          </p:nvPr>
+        </p:nvSpPr>
+        <p:spPr>
+          <a:xfrm>
+            <a:off x="1103243" y="2015732"/>
+            <a:ext cx="10287000" cy="4037749"/>
+          </a:xfrm>
+        </p:spPr>
+        <p:txBody>
+          <a:bodyPr>
+            <a:normAutofit lnSpcReduction="10000"/>
+          </a:bodyPr>
+          <a:lstStyle/>
+          <a:p>
+            <a:r>
+              <a:rPr lang="en-US" dirty="0" err="1"/>
+              <a:t>XGboost</a:t>
+            </a:r>
+            <a:r>
+              <a:rPr lang="en-US" dirty="0"/>
+              <a:t> is a current “champion” of non-neural network algorithms. </a:t>
+            </a:r>
+          </a:p>
+          <a:p>
+            <a:pPr lvl="1"/>
+            <a:r>
+              <a:rPr lang="en-US" dirty="0" err="1"/>
+              <a:t>LightGBM</a:t>
+            </a:r>
+            <a:r>
+              <a:rPr lang="en-US" dirty="0"/>
+              <a:t> (by MS) is similar to </a:t>
+            </a:r>
+            <a:r>
+              <a:rPr lang="en-US" dirty="0" err="1"/>
+              <a:t>xgboost</a:t>
+            </a:r>
+            <a:r>
+              <a:rPr lang="en-US" dirty="0"/>
+              <a:t>, but often even faster. Trees get deeper. </a:t>
+            </a:r>
+          </a:p>
+          <a:p>
+            <a:pPr lvl="1"/>
+            <a:r>
+              <a:rPr lang="en-US" dirty="0" err="1"/>
+              <a:t>HistGradientBoosting</a:t>
+            </a:r>
+            <a:r>
+              <a:rPr lang="en-US" dirty="0"/>
+              <a:t> from </a:t>
+            </a:r>
+            <a:r>
+              <a:rPr lang="en-US" dirty="0" err="1"/>
+              <a:t>sklearn</a:t>
+            </a:r>
+            <a:r>
+              <a:rPr lang="en-US" dirty="0"/>
+              <a:t> is similar to </a:t>
+            </a:r>
+            <a:r>
+              <a:rPr lang="en-US" dirty="0" err="1"/>
+              <a:t>LightGBM</a:t>
+            </a:r>
+            <a:r>
+              <a:rPr lang="en-US"/>
+              <a:t>. </a:t>
+            </a:r>
+            <a:endParaRPr lang="en-US" dirty="0"/>
+          </a:p>
+          <a:p>
+            <a:r>
+              <a:rPr lang="en-US" dirty="0"/>
+              <a:t>New – only developed in 2014. Mostly by one dude!</a:t>
+            </a:r>
+          </a:p>
+          <a:p>
+            <a:r>
+              <a:rPr lang="en-US" dirty="0"/>
+              <a:t>Applies many tricks/optimizations to gradient boosting. </a:t>
+            </a:r>
+          </a:p>
+          <a:p>
+            <a:pPr lvl="1"/>
+            <a:r>
+              <a:rPr lang="en-US" dirty="0"/>
+              <a:t>Parallelized and written to optimally utilize hardware for speed. </a:t>
+            </a:r>
+          </a:p>
+          <a:p>
+            <a:pPr lvl="1"/>
+            <a:r>
+              <a:rPr lang="en-US" dirty="0"/>
+              <a:t>Built in cross validation and regularization. </a:t>
+            </a:r>
+          </a:p>
+          <a:p>
+            <a:pPr lvl="1"/>
+            <a:r>
+              <a:rPr lang="en-US" dirty="0"/>
+              <a:t>Handles sparse or dense data by default, as well as data that is too large for memory. </a:t>
+            </a:r>
+          </a:p>
+          <a:p>
+            <a:pPr lvl="1"/>
+            <a:r>
+              <a:rPr lang="en-US" dirty="0"/>
+              <a:t>Revised methods to efficiently find internal calculations like tree split points. </a:t>
+            </a:r>
+          </a:p>
+          <a:p>
+            <a:r>
+              <a:rPr lang="en-US" dirty="0"/>
+              <a:t>Effectively – gradient boosting + all the “extra stuff” that can make algorithms faster and better. </a:t>
+            </a:r>
+          </a:p>
+        </p:txBody>
+      </p:sp>
+    </p:spTree>
+    <p:extLst>
+      <p:ext uri="{BB962C8B-B14F-4D97-AF65-F5344CB8AC3E}">
+        <p14:creationId xmlns:p14="http://schemas.microsoft.com/office/powerpoint/2010/main" val="763310812"/>
+      </p:ext>
+    </p:extLst>
+  </p:cSld>
+  <p:clrMapOvr>
+    <a:masterClrMapping/>
+  </p:clrMapOvr>
+</p:sld>
+</file>
+
+<file path=ppt/slides/slide17.xml><?xml version="1.0" encoding="utf-8"?>
+<p:sld xmlns:a="http://schemas.openxmlformats.org/drawingml/2006/main" xmlns:r="http://schemas.openxmlformats.org/officeDocument/2006/relationships" xmlns:p="http://schemas.openxmlformats.org/presentationml/2006/main">
+  <p:cSld>
+    <p:spTree>
+      <p:nvGrpSpPr>
+        <p:cNvPr id="1" name=""/>
+        <p:cNvGrpSpPr/>
+        <p:nvPr/>
+      </p:nvGrpSpPr>
+      <p:grpSpPr>
+        <a:xfrm>
+          <a:off x="0" y="0"/>
+          <a:ext cx="0" cy="0"/>
+          <a:chOff x="0" y="0"/>
+          <a:chExt cx="0" cy="0"/>
+        </a:xfrm>
+      </p:grpSpPr>
+      <p:sp>
+        <p:nvSpPr>
+          <p:cNvPr id="2" name="Title 1">
+            <a:extLst>
+              <a:ext uri="{FF2B5EF4-FFF2-40B4-BE49-F238E27FC236}">
+                <a16:creationId xmlns:a16="http://schemas.microsoft.com/office/drawing/2014/main" id="{4EAC0E8D-3DF8-F34F-8FD2-602F9A93A905}"/>
+              </a:ext>
+            </a:extLst>
+          </p:cNvPr>
+          <p:cNvSpPr>
+            <a:spLocks noGrp="1"/>
+          </p:cNvSpPr>
+          <p:nvPr>
+            <p:ph type="title"/>
+          </p:nvPr>
+        </p:nvSpPr>
+        <p:spPr/>
+        <p:txBody>
+          <a:bodyPr/>
+          <a:lstStyle/>
+          <a:p>
+            <a:r>
+              <a:rPr lang="en-US" dirty="0"/>
+              <a:t>Other Ensembles - Stacking</a:t>
+            </a:r>
+          </a:p>
+        </p:txBody>
+      </p:sp>
+      <p:sp>
+        <p:nvSpPr>
+          <p:cNvPr id="3" name="Content Placeholder 2">
+            <a:extLst>
+              <a:ext uri="{FF2B5EF4-FFF2-40B4-BE49-F238E27FC236}">
+                <a16:creationId xmlns:a16="http://schemas.microsoft.com/office/drawing/2014/main" id="{1037789D-FE7B-3A46-AF9F-F6348271B017}"/>
+              </a:ext>
+            </a:extLst>
+          </p:cNvPr>
+          <p:cNvSpPr>
+            <a:spLocks noGrp="1"/>
+          </p:cNvSpPr>
+          <p:nvPr>
+            <p:ph idx="1"/>
+          </p:nvPr>
+        </p:nvSpPr>
+        <p:spPr>
+          <a:xfrm>
+            <a:off x="1451579" y="2015732"/>
+            <a:ext cx="9603275" cy="4037749"/>
+          </a:xfrm>
+        </p:spPr>
+        <p:txBody>
+          <a:bodyPr/>
+          <a:lstStyle/>
+          <a:p>
+            <a:r>
+              <a:rPr lang="en-US" dirty="0"/>
+              <a:t>Stacking is an ensemble technique that uses another model that is used to do the “blending” step for the final predictions. </a:t>
+            </a:r>
+          </a:p>
+          <a:p>
+            <a:pPr lvl="1"/>
+            <a:r>
+              <a:rPr lang="en-US" dirty="0"/>
+              <a:t>I.e. rather than taking a “vote” of all the predictions like one would for a random forest classification, those predictions are the feature set of another model (e.g. log. reg.)</a:t>
+            </a:r>
+          </a:p>
+          <a:p>
+            <a:r>
+              <a:rPr lang="en-US" dirty="0"/>
+              <a:t>The stacking model is setup as:</a:t>
+            </a:r>
+          </a:p>
+          <a:p>
+            <a:pPr lvl="1"/>
+            <a:r>
+              <a:rPr lang="en-US" dirty="0"/>
+              <a:t>Y = final prediction being made. </a:t>
+            </a:r>
+          </a:p>
+          <a:p>
+            <a:pPr lvl="1"/>
+            <a:r>
+              <a:rPr lang="en-US" dirty="0"/>
+              <a:t>X = feature set of each estimator’s individual prediction. </a:t>
+            </a:r>
+          </a:p>
+          <a:p>
+            <a:r>
+              <a:rPr lang="en-US" dirty="0"/>
+              <a:t>Stacking tends to increase performance on average. </a:t>
+            </a:r>
+          </a:p>
+          <a:p>
+            <a:endParaRPr lang="en-US" dirty="0"/>
+          </a:p>
+        </p:txBody>
+      </p:sp>
+    </p:spTree>
+    <p:extLst>
+      <p:ext uri="{BB962C8B-B14F-4D97-AF65-F5344CB8AC3E}">
+        <p14:creationId xmlns:p14="http://schemas.microsoft.com/office/powerpoint/2010/main" val="3393901998"/>
+      </p:ext>
+    </p:extLst>
+  </p:cSld>
+  <p:clrMapOvr>
+    <a:masterClrMapping/>
+  </p:clrMapOvr>
+</p:sld>
+</file>
+
+<file path=ppt/slides/slide18.xml><?xml version="1.0" encoding="utf-8"?>
+<p:sld xmlns:a="http://schemas.openxmlformats.org/drawingml/2006/main" xmlns:r="http://schemas.openxmlformats.org/officeDocument/2006/relationships" xmlns:p="http://schemas.openxmlformats.org/presentationml/2006/main">
+  <p:cSld>
+    <p:spTree>
+      <p:nvGrpSpPr>
+        <p:cNvPr id="1" name=""/>
+        <p:cNvGrpSpPr/>
+        <p:nvPr/>
+      </p:nvGrpSpPr>
+      <p:grpSpPr>
+        <a:xfrm>
+          <a:off x="0" y="0"/>
+          <a:ext cx="0" cy="0"/>
+          <a:chOff x="0" y="0"/>
+          <a:chExt cx="0" cy="0"/>
+        </a:xfrm>
+      </p:grpSpPr>
+      <p:sp>
+        <p:nvSpPr>
+          <p:cNvPr id="2" name="Title 1">
+            <a:extLst>
+              <a:ext uri="{FF2B5EF4-FFF2-40B4-BE49-F238E27FC236}">
+                <a16:creationId xmlns:a16="http://schemas.microsoft.com/office/drawing/2014/main" id="{AEA5FB89-E580-084A-ADA5-97F2DEE3C93E}"/>
+              </a:ext>
+            </a:extLst>
+          </p:cNvPr>
+          <p:cNvSpPr>
+            <a:spLocks noGrp="1"/>
+          </p:cNvSpPr>
+          <p:nvPr>
+            <p:ph type="title"/>
+          </p:nvPr>
+        </p:nvSpPr>
+        <p:spPr/>
+        <p:txBody>
+          <a:bodyPr/>
+          <a:lstStyle/>
+          <a:p>
+            <a:endParaRPr lang="en-US"/>
+          </a:p>
+        </p:txBody>
+      </p:sp>
+      <p:sp>
+        <p:nvSpPr>
+          <p:cNvPr id="3" name="Content Placeholder 2">
+            <a:extLst>
+              <a:ext uri="{FF2B5EF4-FFF2-40B4-BE49-F238E27FC236}">
+                <a16:creationId xmlns:a16="http://schemas.microsoft.com/office/drawing/2014/main" id="{920461A8-3A03-174D-B0DD-22B5D345C501}"/>
+              </a:ext>
+            </a:extLst>
+          </p:cNvPr>
+          <p:cNvSpPr>
+            <a:spLocks noGrp="1"/>
+          </p:cNvSpPr>
+          <p:nvPr>
+            <p:ph idx="1"/>
+          </p:nvPr>
+        </p:nvSpPr>
+        <p:spPr/>
+        <p:txBody>
+          <a:bodyPr/>
+          <a:lstStyle/>
+          <a:p>
+            <a:endParaRPr lang="en-US"/>
+          </a:p>
+        </p:txBody>
+      </p:sp>
+      <p:pic>
+        <p:nvPicPr>
+          <p:cNvPr id="6146" name="Picture 2" descr="meta+classifier+machine+learning cheap buy online">
+            <a:extLst>
+              <a:ext uri="{FF2B5EF4-FFF2-40B4-BE49-F238E27FC236}">
+                <a16:creationId xmlns:a16="http://schemas.microsoft.com/office/drawing/2014/main" id="{61F4A8AF-344F-E945-ABA5-9218DC6F4FF5}"/>
+              </a:ext>
+            </a:extLst>
+          </p:cNvPr>
+          <p:cNvPicPr>
+            <a:picLocks noChangeAspect="1" noChangeArrowheads="1"/>
+          </p:cNvPicPr>
+          <p:nvPr/>
+        </p:nvPicPr>
+        <p:blipFill rotWithShape="1">
+          <a:blip r:embed="rId2">
+            <a:extLst>
+              <a:ext uri="{28A0092B-C50C-407E-A947-70E740481C1C}">
+                <a14:useLocalDpi xmlns:a14="http://schemas.microsoft.com/office/drawing/2010/main" val="0"/>
+              </a:ext>
+            </a:extLst>
+          </a:blip>
+          <a:srcRect b="6878"/>
+          <a:stretch/>
+        </p:blipFill>
+        <p:spPr bwMode="auto">
+          <a:xfrm>
+            <a:off x="2213882" y="-19768"/>
+            <a:ext cx="7764236" cy="6861690"/>
+          </a:xfrm>
+          <a:prstGeom prst="rect">
+            <a:avLst/>
+          </a:prstGeom>
+          <a:noFill/>
+          <a:extLst>
+            <a:ext uri="{909E8E84-426E-40DD-AFC4-6F175D3DCCD1}">
+              <a14:hiddenFill xmlns:a14="http://schemas.microsoft.com/office/drawing/2010/main">
+                <a:solidFill>
+                  <a:srgbClr val="FFFFFF"/>
+                </a:solidFill>
+              </a14:hiddenFill>
+            </a:ext>
+          </a:extLst>
+        </p:spPr>
+      </p:pic>
+    </p:spTree>
+    <p:extLst>
+      <p:ext uri="{BB962C8B-B14F-4D97-AF65-F5344CB8AC3E}">
+        <p14:creationId xmlns:p14="http://schemas.microsoft.com/office/powerpoint/2010/main" val="1510919830"/>
+      </p:ext>
+    </p:extLst>
+  </p:cSld>
+  <p:clrMapOvr>
+    <a:masterClrMapping/>
+  </p:clrMapOvr>
+</p:sld>
+</file>
+
+<file path=ppt/slides/slide19.xml><?xml version="1.0" encoding="utf-8"?>
+<p:sld xmlns:a="http://schemas.openxmlformats.org/drawingml/2006/main" xmlns:r="http://schemas.openxmlformats.org/officeDocument/2006/relationships" xmlns:p="http://schemas.openxmlformats.org/presentationml/2006/main">
+  <p:cSld>
+    <p:spTree>
+      <p:nvGrpSpPr>
+        <p:cNvPr id="1" name=""/>
+        <p:cNvGrpSpPr/>
+        <p:nvPr/>
+      </p:nvGrpSpPr>
+      <p:grpSpPr>
+        <a:xfrm>
+          <a:off x="0" y="0"/>
+          <a:ext cx="0" cy="0"/>
+          <a:chOff x="0" y="0"/>
+          <a:chExt cx="0" cy="0"/>
+        </a:xfrm>
+      </p:grpSpPr>
+      <p:sp>
+        <p:nvSpPr>
+          <p:cNvPr id="2" name="Title 1">
+            <a:extLst>
+              <a:ext uri="{FF2B5EF4-FFF2-40B4-BE49-F238E27FC236}">
                 <a16:creationId xmlns:a16="http://schemas.microsoft.com/office/drawing/2014/main" id="{175FBE52-5274-FC4D-BF51-A5E7CE443A98}"/>
               </a:ext>
             </a:extLst>
@@ -4466,7 +5205,7 @@
           <a:p>
             <a:r>
               <a:rPr lang="en-US" dirty="0"/>
-              <a:t>Ensembles Conclusion</a:t>
+              <a:t>Boosting Conclusion</a:t>
             </a:r>
           </a:p>
         </p:txBody>
@@ -4571,10 +5310,13 @@
               <a:t>/</a:t>
             </a:r>
             <a:r>
-              <a:rPr lang="en-US"/>
-              <a:t>lgbm. </a:t>
-            </a:r>
-            <a:endParaRPr lang="en-US" dirty="0"/>
+              <a:rPr lang="en-US" dirty="0" err="1"/>
+              <a:t>lgbm</a:t>
+            </a:r>
+            <a:r>
+              <a:rPr lang="en-US" dirty="0"/>
+              <a:t>. </a:t>
+            </a:r>
           </a:p>
         </p:txBody>
       </p:sp>
@@ -5592,12 +6334,59 @@
             <p:ph idx="1"/>
           </p:nvPr>
         </p:nvSpPr>
-        <p:spPr/>
-        <p:txBody>
-          <a:bodyPr/>
-          <a:lstStyle/>
-          <a:p>
-            <a:endParaRPr lang="en-US" dirty="0"/>
+        <p:spPr>
+          <a:xfrm>
+            <a:off x="1451579" y="2015732"/>
+            <a:ext cx="9603275" cy="4150892"/>
+          </a:xfrm>
+        </p:spPr>
+        <p:txBody>
+          <a:bodyPr/>
+          <a:lstStyle/>
+          <a:p>
+            <a:r>
+              <a:rPr lang="en-US" dirty="0"/>
+              <a:t>Like bagging, boosting can theoretically be used with many base estimators. </a:t>
+            </a:r>
+          </a:p>
+          <a:p>
+            <a:r>
+              <a:rPr lang="en-US" dirty="0"/>
+              <a:t>Trees are by far the most common estimators.</a:t>
+            </a:r>
+          </a:p>
+          <a:p>
+            <a:pPr lvl="1"/>
+            <a:r>
+              <a:rPr lang="en-US" dirty="0"/>
+              <a:t>Regression/classification base trees allow for boosting to do each. </a:t>
+            </a:r>
+          </a:p>
+          <a:p>
+            <a:r>
+              <a:rPr lang="en-US" dirty="0"/>
+              <a:t>Boosting generally reduces BOTH bias and variance. </a:t>
+            </a:r>
+          </a:p>
+          <a:p>
+            <a:pPr lvl="1"/>
+            <a:r>
+              <a:rPr lang="en-US" dirty="0"/>
+              <a:t>i.e. it is better fitted to data, but less likely to be overfitted. </a:t>
+            </a:r>
+          </a:p>
+          <a:p>
+            <a:r>
+              <a:rPr lang="en-US" dirty="0"/>
+              <a:t>Boosting has a small risk of reducing performance, mostly on very noisy datasets. </a:t>
+            </a:r>
+          </a:p>
+          <a:p>
+            <a:pPr lvl="1"/>
+            <a:r>
+              <a:rPr lang="en-US" dirty="0"/>
+              <a:t>Bagging rarely hurts performance, but tends to have less benefit than boosting. </a:t>
+            </a:r>
           </a:p>
         </p:txBody>
       </p:sp>
@@ -5675,7 +6464,12 @@
             <p:ph idx="1"/>
           </p:nvPr>
         </p:nvSpPr>
-        <p:spPr/>
+        <p:spPr>
+          <a:xfrm>
+            <a:off x="1451579" y="2015732"/>
+            <a:ext cx="9603275" cy="4150892"/>
+          </a:xfrm>
+        </p:spPr>
         <p:txBody>
           <a:bodyPr/>
           <a:lstStyle/>
@@ -5691,6 +6485,57 @@
             <a:r>
               <a:rPr lang="en-US" dirty="0"/>
               <a:t> – adaptive boosting. </a:t>
+            </a:r>
+          </a:p>
+          <a:p>
+            <a:r>
+              <a:rPr lang="en-US" dirty="0" err="1"/>
+              <a:t>Adaboost</a:t>
+            </a:r>
+            <a:r>
+              <a:rPr lang="en-US" dirty="0"/>
+              <a:t> works by updating sets of weights as data goes through each model:</a:t>
+            </a:r>
+          </a:p>
+          <a:p>
+            <a:pPr lvl="1"/>
+            <a:r>
+              <a:rPr lang="en-US" dirty="0"/>
+              <a:t>A weighted sample of data goes through model N.</a:t>
+            </a:r>
+          </a:p>
+          <a:p>
+            <a:pPr lvl="1"/>
+            <a:r>
+              <a:rPr lang="en-US" dirty="0"/>
+              <a:t>Model N gets a weight value increased if it is accurate, decreased if inaccurate. </a:t>
+            </a:r>
+          </a:p>
+          <a:p>
+            <a:pPr lvl="1"/>
+            <a:r>
+              <a:rPr lang="en-US" dirty="0"/>
+              <a:t>Data that is correctly predicted gets a weight decreased, incorrect gets an increase. </a:t>
+            </a:r>
+          </a:p>
+          <a:p>
+            <a:pPr lvl="1"/>
+            <a:r>
+              <a:rPr lang="en-US" dirty="0"/>
+              <a:t>Data with higher weights gets sampled more frequently. </a:t>
+            </a:r>
+          </a:p>
+          <a:p>
+            <a:pPr lvl="1"/>
+            <a:r>
+              <a:rPr lang="en-US" dirty="0"/>
+              <a:t>Weights of classifiers combine for final prediction – better accuracy, more influence. </a:t>
+            </a:r>
+          </a:p>
+          <a:p>
+            <a:r>
+              <a:rPr lang="en-US" dirty="0"/>
+              <a:t>Result – Easy to predict data is dealt with quickly, harder data goes through more models; the most accurate models are more important in final prediction. </a:t>
             </a:r>
           </a:p>
         </p:txBody>

--- a/reference_content/Slides/boosting.pptx
+++ b/reference_content/Slides/boosting.pptx
@@ -17,13 +17,18 @@
     <p:sldId id="269" r:id="rId11"/>
     <p:sldId id="274" r:id="rId12"/>
     <p:sldId id="262" r:id="rId13"/>
-    <p:sldId id="266" r:id="rId14"/>
-    <p:sldId id="271" r:id="rId15"/>
-    <p:sldId id="273" r:id="rId16"/>
-    <p:sldId id="263" r:id="rId17"/>
-    <p:sldId id="265" r:id="rId18"/>
-    <p:sldId id="272" r:id="rId19"/>
-    <p:sldId id="264" r:id="rId20"/>
+    <p:sldId id="275" r:id="rId14"/>
+    <p:sldId id="276" r:id="rId15"/>
+    <p:sldId id="277" r:id="rId16"/>
+    <p:sldId id="278" r:id="rId17"/>
+    <p:sldId id="279" r:id="rId18"/>
+    <p:sldId id="266" r:id="rId19"/>
+    <p:sldId id="271" r:id="rId20"/>
+    <p:sldId id="273" r:id="rId21"/>
+    <p:sldId id="263" r:id="rId22"/>
+    <p:sldId id="265" r:id="rId23"/>
+    <p:sldId id="272" r:id="rId24"/>
+    <p:sldId id="264" r:id="rId25"/>
   </p:sldIdLst>
   <p:sldSz cx="12192000" cy="6858000"/>
   <p:notesSz cx="6858000" cy="9144000"/>
@@ -4140,6 +4145,921 @@
           <p:cNvPr id="2" name="Title 1">
             <a:extLst>
               <a:ext uri="{FF2B5EF4-FFF2-40B4-BE49-F238E27FC236}">
+                <a16:creationId xmlns:a16="http://schemas.microsoft.com/office/drawing/2014/main" id="{314D47CB-FDDF-7842-801B-1A34A510E147}"/>
+              </a:ext>
+            </a:extLst>
+          </p:cNvPr>
+          <p:cNvSpPr>
+            <a:spLocks noGrp="1"/>
+          </p:cNvSpPr>
+          <p:nvPr>
+            <p:ph type="title"/>
+          </p:nvPr>
+        </p:nvSpPr>
+        <p:spPr/>
+        <p:txBody>
+          <a:bodyPr/>
+          <a:lstStyle/>
+          <a:p>
+            <a:r>
+              <a:rPr lang="en-US" dirty="0"/>
+              <a:t>Gradient Boosting steps: Make initial Prediction</a:t>
+            </a:r>
+          </a:p>
+        </p:txBody>
+      </p:sp>
+      <p:sp>
+        <p:nvSpPr>
+          <p:cNvPr id="3" name="Content Placeholder 2">
+            <a:extLst>
+              <a:ext uri="{FF2B5EF4-FFF2-40B4-BE49-F238E27FC236}">
+                <a16:creationId xmlns:a16="http://schemas.microsoft.com/office/drawing/2014/main" id="{A9462274-6159-7F4C-9129-331C42136417}"/>
+              </a:ext>
+            </a:extLst>
+          </p:cNvPr>
+          <p:cNvSpPr>
+            <a:spLocks noGrp="1"/>
+          </p:cNvSpPr>
+          <p:nvPr>
+            <p:ph idx="1"/>
+          </p:nvPr>
+        </p:nvSpPr>
+        <p:spPr/>
+        <p:txBody>
+          <a:bodyPr/>
+          <a:lstStyle/>
+          <a:p>
+            <a:endParaRPr lang="en-US"/>
+          </a:p>
+        </p:txBody>
+      </p:sp>
+      <p:pic>
+        <p:nvPicPr>
+          <p:cNvPr id="11266" name="Picture 2" descr="image">
+            <a:extLst>
+              <a:ext uri="{FF2B5EF4-FFF2-40B4-BE49-F238E27FC236}">
+                <a16:creationId xmlns:a16="http://schemas.microsoft.com/office/drawing/2014/main" id="{9E2A74CF-C1C7-4E4D-8109-453125201C31}"/>
+              </a:ext>
+            </a:extLst>
+          </p:cNvPr>
+          <p:cNvPicPr>
+            <a:picLocks noChangeAspect="1" noChangeArrowheads="1"/>
+          </p:cNvPicPr>
+          <p:nvPr/>
+        </p:nvPicPr>
+        <p:blipFill>
+          <a:blip r:embed="rId2">
+            <a:extLst>
+              <a:ext uri="{28A0092B-C50C-407E-A947-70E740481C1C}">
+                <a14:useLocalDpi xmlns:a14="http://schemas.microsoft.com/office/drawing/2010/main" val="0"/>
+              </a:ext>
+            </a:extLst>
+          </a:blip>
+          <a:srcRect/>
+          <a:stretch>
+            <a:fillRect/>
+          </a:stretch>
+        </p:blipFill>
+        <p:spPr bwMode="auto">
+          <a:xfrm>
+            <a:off x="774700" y="2057400"/>
+            <a:ext cx="10642600" cy="2743200"/>
+          </a:xfrm>
+          <a:prstGeom prst="rect">
+            <a:avLst/>
+          </a:prstGeom>
+          <a:noFill/>
+          <a:extLst>
+            <a:ext uri="{909E8E84-426E-40DD-AFC4-6F175D3DCCD1}">
+              <a14:hiddenFill xmlns:a14="http://schemas.microsoft.com/office/drawing/2010/main">
+                <a:solidFill>
+                  <a:srgbClr val="FFFFFF"/>
+                </a:solidFill>
+              </a14:hiddenFill>
+            </a:ext>
+          </a:extLst>
+        </p:spPr>
+      </p:pic>
+    </p:spTree>
+    <p:extLst>
+      <p:ext uri="{BB962C8B-B14F-4D97-AF65-F5344CB8AC3E}">
+        <p14:creationId xmlns:p14="http://schemas.microsoft.com/office/powerpoint/2010/main" val="233368731"/>
+      </p:ext>
+    </p:extLst>
+  </p:cSld>
+  <p:clrMapOvr>
+    <a:masterClrMapping/>
+  </p:clrMapOvr>
+</p:sld>
+</file>
+
+<file path=ppt/slides/slide14.xml><?xml version="1.0" encoding="utf-8"?>
+<p:sld xmlns:a="http://schemas.openxmlformats.org/drawingml/2006/main" xmlns:r="http://schemas.openxmlformats.org/officeDocument/2006/relationships" xmlns:p="http://schemas.openxmlformats.org/presentationml/2006/main">
+  <p:cSld>
+    <p:spTree>
+      <p:nvGrpSpPr>
+        <p:cNvPr id="1" name=""/>
+        <p:cNvGrpSpPr/>
+        <p:nvPr/>
+      </p:nvGrpSpPr>
+      <p:grpSpPr>
+        <a:xfrm>
+          <a:off x="0" y="0"/>
+          <a:ext cx="0" cy="0"/>
+          <a:chOff x="0" y="0"/>
+          <a:chExt cx="0" cy="0"/>
+        </a:xfrm>
+      </p:grpSpPr>
+      <p:sp>
+        <p:nvSpPr>
+          <p:cNvPr id="2" name="Title 1">
+            <a:extLst>
+              <a:ext uri="{FF2B5EF4-FFF2-40B4-BE49-F238E27FC236}">
+                <a16:creationId xmlns:a16="http://schemas.microsoft.com/office/drawing/2014/main" id="{84706273-C74D-B04F-BE05-71BC56F6BE68}"/>
+              </a:ext>
+            </a:extLst>
+          </p:cNvPr>
+          <p:cNvSpPr>
+            <a:spLocks noGrp="1"/>
+          </p:cNvSpPr>
+          <p:nvPr>
+            <p:ph type="title"/>
+          </p:nvPr>
+        </p:nvSpPr>
+        <p:spPr/>
+        <p:txBody>
+          <a:bodyPr/>
+          <a:lstStyle/>
+          <a:p>
+            <a:r>
+              <a:rPr lang="en-US" dirty="0"/>
+              <a:t>Gradient Boosting steps: Calculate Residuals</a:t>
+            </a:r>
+          </a:p>
+        </p:txBody>
+      </p:sp>
+      <p:sp>
+        <p:nvSpPr>
+          <p:cNvPr id="3" name="Content Placeholder 2">
+            <a:extLst>
+              <a:ext uri="{FF2B5EF4-FFF2-40B4-BE49-F238E27FC236}">
+                <a16:creationId xmlns:a16="http://schemas.microsoft.com/office/drawing/2014/main" id="{3F3DE1FD-7DE1-D44F-BEE0-AB591B25D955}"/>
+              </a:ext>
+            </a:extLst>
+          </p:cNvPr>
+          <p:cNvSpPr>
+            <a:spLocks noGrp="1"/>
+          </p:cNvSpPr>
+          <p:nvPr>
+            <p:ph idx="1"/>
+          </p:nvPr>
+        </p:nvSpPr>
+        <p:spPr/>
+        <p:txBody>
+          <a:bodyPr/>
+          <a:lstStyle/>
+          <a:p>
+            <a:endParaRPr lang="en-US"/>
+          </a:p>
+        </p:txBody>
+      </p:sp>
+      <p:pic>
+        <p:nvPicPr>
+          <p:cNvPr id="12290" name="Picture 2" descr="image">
+            <a:extLst>
+              <a:ext uri="{FF2B5EF4-FFF2-40B4-BE49-F238E27FC236}">
+                <a16:creationId xmlns:a16="http://schemas.microsoft.com/office/drawing/2014/main" id="{F1188DC5-C16F-0D46-99C9-BFD8AF143175}"/>
+              </a:ext>
+            </a:extLst>
+          </p:cNvPr>
+          <p:cNvPicPr>
+            <a:picLocks noChangeAspect="1" noChangeArrowheads="1"/>
+          </p:cNvPicPr>
+          <p:nvPr/>
+        </p:nvPicPr>
+        <p:blipFill>
+          <a:blip r:embed="rId2">
+            <a:extLst>
+              <a:ext uri="{28A0092B-C50C-407E-A947-70E740481C1C}">
+                <a14:useLocalDpi xmlns:a14="http://schemas.microsoft.com/office/drawing/2010/main" val="0"/>
+              </a:ext>
+            </a:extLst>
+          </a:blip>
+          <a:srcRect/>
+          <a:stretch>
+            <a:fillRect/>
+          </a:stretch>
+        </p:blipFill>
+        <p:spPr bwMode="auto">
+          <a:xfrm>
+            <a:off x="774700" y="2057400"/>
+            <a:ext cx="10642600" cy="2743200"/>
+          </a:xfrm>
+          <a:prstGeom prst="rect">
+            <a:avLst/>
+          </a:prstGeom>
+          <a:noFill/>
+          <a:extLst>
+            <a:ext uri="{909E8E84-426E-40DD-AFC4-6F175D3DCCD1}">
+              <a14:hiddenFill xmlns:a14="http://schemas.microsoft.com/office/drawing/2010/main">
+                <a:solidFill>
+                  <a:srgbClr val="FFFFFF"/>
+                </a:solidFill>
+              </a14:hiddenFill>
+            </a:ext>
+          </a:extLst>
+        </p:spPr>
+      </p:pic>
+    </p:spTree>
+    <p:extLst>
+      <p:ext uri="{BB962C8B-B14F-4D97-AF65-F5344CB8AC3E}">
+        <p14:creationId xmlns:p14="http://schemas.microsoft.com/office/powerpoint/2010/main" val="4048032718"/>
+      </p:ext>
+    </p:extLst>
+  </p:cSld>
+  <p:clrMapOvr>
+    <a:masterClrMapping/>
+  </p:clrMapOvr>
+</p:sld>
+</file>
+
+<file path=ppt/slides/slide15.xml><?xml version="1.0" encoding="utf-8"?>
+<p:sld xmlns:a="http://schemas.openxmlformats.org/drawingml/2006/main" xmlns:r="http://schemas.openxmlformats.org/officeDocument/2006/relationships" xmlns:p="http://schemas.openxmlformats.org/presentationml/2006/main">
+  <p:cSld>
+    <p:spTree>
+      <p:nvGrpSpPr>
+        <p:cNvPr id="1" name=""/>
+        <p:cNvGrpSpPr/>
+        <p:nvPr/>
+      </p:nvGrpSpPr>
+      <p:grpSpPr>
+        <a:xfrm>
+          <a:off x="0" y="0"/>
+          <a:ext cx="0" cy="0"/>
+          <a:chOff x="0" y="0"/>
+          <a:chExt cx="0" cy="0"/>
+        </a:xfrm>
+      </p:grpSpPr>
+      <p:sp>
+        <p:nvSpPr>
+          <p:cNvPr id="2" name="Title 1">
+            <a:extLst>
+              <a:ext uri="{FF2B5EF4-FFF2-40B4-BE49-F238E27FC236}">
+                <a16:creationId xmlns:a16="http://schemas.microsoft.com/office/drawing/2014/main" id="{0033751B-550C-964D-A213-D6CA50E47ABE}"/>
+              </a:ext>
+            </a:extLst>
+          </p:cNvPr>
+          <p:cNvSpPr>
+            <a:spLocks noGrp="1"/>
+          </p:cNvSpPr>
+          <p:nvPr>
+            <p:ph type="title"/>
+          </p:nvPr>
+        </p:nvSpPr>
+        <p:spPr/>
+        <p:txBody>
+          <a:bodyPr/>
+          <a:lstStyle/>
+          <a:p>
+            <a:r>
+              <a:rPr lang="en-US" dirty="0"/>
+              <a:t>Gradient Boosting steps: Create new Model with target as residuals</a:t>
+            </a:r>
+          </a:p>
+        </p:txBody>
+      </p:sp>
+      <p:sp>
+        <p:nvSpPr>
+          <p:cNvPr id="3" name="Content Placeholder 2">
+            <a:extLst>
+              <a:ext uri="{FF2B5EF4-FFF2-40B4-BE49-F238E27FC236}">
+                <a16:creationId xmlns:a16="http://schemas.microsoft.com/office/drawing/2014/main" id="{E04BA230-9AFF-F544-8516-A9692F4137C5}"/>
+              </a:ext>
+            </a:extLst>
+          </p:cNvPr>
+          <p:cNvSpPr>
+            <a:spLocks noGrp="1"/>
+          </p:cNvSpPr>
+          <p:nvPr>
+            <p:ph idx="1"/>
+          </p:nvPr>
+        </p:nvSpPr>
+        <p:spPr/>
+        <p:txBody>
+          <a:bodyPr/>
+          <a:lstStyle/>
+          <a:p>
+            <a:endParaRPr lang="en-US"/>
+          </a:p>
+        </p:txBody>
+      </p:sp>
+      <p:grpSp>
+        <p:nvGrpSpPr>
+          <p:cNvPr id="5" name="Group 4">
+            <a:extLst>
+              <a:ext uri="{FF2B5EF4-FFF2-40B4-BE49-F238E27FC236}">
+                <a16:creationId xmlns:a16="http://schemas.microsoft.com/office/drawing/2014/main" id="{C1BE9288-1DFF-0A48-9C2B-A9A5D5CC7376}"/>
+              </a:ext>
+            </a:extLst>
+          </p:cNvPr>
+          <p:cNvGrpSpPr/>
+          <p:nvPr/>
+        </p:nvGrpSpPr>
+        <p:grpSpPr>
+          <a:xfrm>
+            <a:off x="3889829" y="3419939"/>
+            <a:ext cx="8309746" cy="3438061"/>
+            <a:chOff x="3889829" y="3419939"/>
+            <a:chExt cx="8309746" cy="3438061"/>
+          </a:xfrm>
+        </p:grpSpPr>
+        <p:pic>
+          <p:nvPicPr>
+            <p:cNvPr id="13316" name="Picture 4" descr="image">
+              <a:extLst>
+                <a:ext uri="{FF2B5EF4-FFF2-40B4-BE49-F238E27FC236}">
+                  <a16:creationId xmlns:a16="http://schemas.microsoft.com/office/drawing/2014/main" id="{ED81E880-8369-3E43-A02A-F2355859F5E8}"/>
+                </a:ext>
+              </a:extLst>
+            </p:cNvPr>
+            <p:cNvPicPr>
+              <a:picLocks noChangeAspect="1" noChangeArrowheads="1"/>
+            </p:cNvPicPr>
+            <p:nvPr/>
+          </p:nvPicPr>
+          <p:blipFill rotWithShape="1">
+            <a:blip r:embed="rId2">
+              <a:extLst>
+                <a:ext uri="{28A0092B-C50C-407E-A947-70E740481C1C}">
+                  <a14:useLocalDpi xmlns:a14="http://schemas.microsoft.com/office/drawing/2010/main" val="0"/>
+                </a:ext>
+              </a:extLst>
+            </a:blip>
+            <a:srcRect l="6820" t="9630" r="6747" b="15263"/>
+            <a:stretch/>
+          </p:blipFill>
+          <p:spPr bwMode="auto">
+            <a:xfrm>
+              <a:off x="3889829" y="3419939"/>
+              <a:ext cx="8309746" cy="3438061"/>
+            </a:xfrm>
+            <a:prstGeom prst="rect">
+              <a:avLst/>
+            </a:prstGeom>
+            <a:noFill/>
+            <a:extLst>
+              <a:ext uri="{909E8E84-426E-40DD-AFC4-6F175D3DCCD1}">
+                <a14:hiddenFill xmlns:a14="http://schemas.microsoft.com/office/drawing/2010/main">
+                  <a:solidFill>
+                    <a:srgbClr val="FFFFFF"/>
+                  </a:solidFill>
+                </a14:hiddenFill>
+              </a:ext>
+            </a:extLst>
+          </p:spPr>
+        </p:pic>
+        <p:sp>
+          <p:nvSpPr>
+            <p:cNvPr id="4" name="Rectangle 3">
+              <a:extLst>
+                <a:ext uri="{FF2B5EF4-FFF2-40B4-BE49-F238E27FC236}">
+                  <a16:creationId xmlns:a16="http://schemas.microsoft.com/office/drawing/2014/main" id="{9F07FD5B-8248-7844-B05B-E87260A79664}"/>
+                </a:ext>
+              </a:extLst>
+            </p:cNvPr>
+            <p:cNvSpPr/>
+            <p:nvPr/>
+          </p:nvSpPr>
+          <p:spPr>
+            <a:xfrm>
+              <a:off x="4106572" y="6190343"/>
+              <a:ext cx="1596571" cy="508000"/>
+            </a:xfrm>
+            <a:prstGeom prst="rect">
+              <a:avLst/>
+            </a:prstGeom>
+            <a:solidFill>
+              <a:srgbClr val="C5D1FF"/>
+            </a:solidFill>
+            <a:ln>
+              <a:solidFill>
+                <a:srgbClr val="C5D1FF"/>
+              </a:solidFill>
+            </a:ln>
+          </p:spPr>
+          <p:style>
+            <a:lnRef idx="2">
+              <a:schemeClr val="accent1">
+                <a:shade val="50000"/>
+              </a:schemeClr>
+            </a:lnRef>
+            <a:fillRef idx="1">
+              <a:schemeClr val="accent1"/>
+            </a:fillRef>
+            <a:effectRef idx="0">
+              <a:schemeClr val="accent1"/>
+            </a:effectRef>
+            <a:fontRef idx="minor">
+              <a:schemeClr val="lt1"/>
+            </a:fontRef>
+          </p:style>
+          <p:txBody>
+            <a:bodyPr rtlCol="0" anchor="ctr"/>
+            <a:lstStyle/>
+            <a:p>
+              <a:pPr algn="ctr"/>
+              <a:endParaRPr lang="en-US"/>
+            </a:p>
+          </p:txBody>
+        </p:sp>
+        <p:sp>
+          <p:nvSpPr>
+            <p:cNvPr id="7" name="Rectangle 6">
+              <a:extLst>
+                <a:ext uri="{FF2B5EF4-FFF2-40B4-BE49-F238E27FC236}">
+                  <a16:creationId xmlns:a16="http://schemas.microsoft.com/office/drawing/2014/main" id="{688CBEE5-FEAE-8D4B-ABF1-B87B99FFC203}"/>
+                </a:ext>
+              </a:extLst>
+            </p:cNvPr>
+            <p:cNvSpPr/>
+            <p:nvPr/>
+          </p:nvSpPr>
+          <p:spPr>
+            <a:xfrm>
+              <a:off x="6153907" y="6183086"/>
+              <a:ext cx="1596571" cy="508000"/>
+            </a:xfrm>
+            <a:prstGeom prst="rect">
+              <a:avLst/>
+            </a:prstGeom>
+            <a:solidFill>
+              <a:srgbClr val="C5D1FF"/>
+            </a:solidFill>
+            <a:ln>
+              <a:solidFill>
+                <a:srgbClr val="C5D1FF"/>
+              </a:solidFill>
+            </a:ln>
+          </p:spPr>
+          <p:style>
+            <a:lnRef idx="2">
+              <a:schemeClr val="accent1">
+                <a:shade val="50000"/>
+              </a:schemeClr>
+            </a:lnRef>
+            <a:fillRef idx="1">
+              <a:schemeClr val="accent1"/>
+            </a:fillRef>
+            <a:effectRef idx="0">
+              <a:schemeClr val="accent1"/>
+            </a:effectRef>
+            <a:fontRef idx="minor">
+              <a:schemeClr val="lt1"/>
+            </a:fontRef>
+          </p:style>
+          <p:txBody>
+            <a:bodyPr rtlCol="0" anchor="ctr"/>
+            <a:lstStyle/>
+            <a:p>
+              <a:pPr algn="ctr"/>
+              <a:endParaRPr lang="en-US"/>
+            </a:p>
+          </p:txBody>
+        </p:sp>
+        <p:sp>
+          <p:nvSpPr>
+            <p:cNvPr id="8" name="Rectangle 7">
+              <a:extLst>
+                <a:ext uri="{FF2B5EF4-FFF2-40B4-BE49-F238E27FC236}">
+                  <a16:creationId xmlns:a16="http://schemas.microsoft.com/office/drawing/2014/main" id="{49901743-83D8-C143-8EB6-2812C4CF8844}"/>
+                </a:ext>
+              </a:extLst>
+            </p:cNvPr>
+            <p:cNvSpPr/>
+            <p:nvPr/>
+          </p:nvSpPr>
+          <p:spPr>
+            <a:xfrm>
+              <a:off x="8082156" y="6183086"/>
+              <a:ext cx="1596571" cy="508000"/>
+            </a:xfrm>
+            <a:prstGeom prst="rect">
+              <a:avLst/>
+            </a:prstGeom>
+            <a:solidFill>
+              <a:srgbClr val="C5D1FF"/>
+            </a:solidFill>
+            <a:ln>
+              <a:solidFill>
+                <a:srgbClr val="C5D1FF"/>
+              </a:solidFill>
+            </a:ln>
+          </p:spPr>
+          <p:style>
+            <a:lnRef idx="2">
+              <a:schemeClr val="accent1">
+                <a:shade val="50000"/>
+              </a:schemeClr>
+            </a:lnRef>
+            <a:fillRef idx="1">
+              <a:schemeClr val="accent1"/>
+            </a:fillRef>
+            <a:effectRef idx="0">
+              <a:schemeClr val="accent1"/>
+            </a:effectRef>
+            <a:fontRef idx="minor">
+              <a:schemeClr val="lt1"/>
+            </a:fontRef>
+          </p:style>
+          <p:txBody>
+            <a:bodyPr rtlCol="0" anchor="ctr"/>
+            <a:lstStyle/>
+            <a:p>
+              <a:pPr algn="ctr"/>
+              <a:endParaRPr lang="en-US"/>
+            </a:p>
+          </p:txBody>
+        </p:sp>
+        <p:sp>
+          <p:nvSpPr>
+            <p:cNvPr id="9" name="Rectangle 8">
+              <a:extLst>
+                <a:ext uri="{FF2B5EF4-FFF2-40B4-BE49-F238E27FC236}">
+                  <a16:creationId xmlns:a16="http://schemas.microsoft.com/office/drawing/2014/main" id="{DB37B716-86A4-2043-9EF7-17924A579806}"/>
+                </a:ext>
+              </a:extLst>
+            </p:cNvPr>
+            <p:cNvSpPr/>
+            <p:nvPr/>
+          </p:nvSpPr>
+          <p:spPr>
+            <a:xfrm>
+              <a:off x="10199448" y="6183086"/>
+              <a:ext cx="1596571" cy="508000"/>
+            </a:xfrm>
+            <a:prstGeom prst="rect">
+              <a:avLst/>
+            </a:prstGeom>
+            <a:solidFill>
+              <a:srgbClr val="C5D1FF"/>
+            </a:solidFill>
+            <a:ln>
+              <a:solidFill>
+                <a:srgbClr val="C5D1FF"/>
+              </a:solidFill>
+            </a:ln>
+          </p:spPr>
+          <p:style>
+            <a:lnRef idx="2">
+              <a:schemeClr val="accent1">
+                <a:shade val="50000"/>
+              </a:schemeClr>
+            </a:lnRef>
+            <a:fillRef idx="1">
+              <a:schemeClr val="accent1"/>
+            </a:fillRef>
+            <a:effectRef idx="0">
+              <a:schemeClr val="accent1"/>
+            </a:effectRef>
+            <a:fontRef idx="minor">
+              <a:schemeClr val="lt1"/>
+            </a:fontRef>
+          </p:style>
+          <p:txBody>
+            <a:bodyPr rtlCol="0" anchor="ctr"/>
+            <a:lstStyle/>
+            <a:p>
+              <a:pPr algn="ctr"/>
+              <a:endParaRPr lang="en-US"/>
+            </a:p>
+          </p:txBody>
+        </p:sp>
+      </p:grpSp>
+      <p:pic>
+        <p:nvPicPr>
+          <p:cNvPr id="13314" name="Picture 2" descr="image">
+            <a:extLst>
+              <a:ext uri="{FF2B5EF4-FFF2-40B4-BE49-F238E27FC236}">
+                <a16:creationId xmlns:a16="http://schemas.microsoft.com/office/drawing/2014/main" id="{3C50D464-DAE0-284B-B7FA-6BCFCEE1E3E1}"/>
+              </a:ext>
+            </a:extLst>
+          </p:cNvPr>
+          <p:cNvPicPr>
+            <a:picLocks noChangeAspect="1" noChangeArrowheads="1"/>
+          </p:cNvPicPr>
+          <p:nvPr/>
+        </p:nvPicPr>
+        <p:blipFill>
+          <a:blip r:embed="rId3">
+            <a:extLst>
+              <a:ext uri="{28A0092B-C50C-407E-A947-70E740481C1C}">
+                <a14:useLocalDpi xmlns:a14="http://schemas.microsoft.com/office/drawing/2010/main" val="0"/>
+              </a:ext>
+            </a:extLst>
+          </a:blip>
+          <a:srcRect/>
+          <a:stretch>
+            <a:fillRect/>
+          </a:stretch>
+        </p:blipFill>
+        <p:spPr bwMode="auto">
+          <a:xfrm>
+            <a:off x="-82661" y="1848818"/>
+            <a:ext cx="6923951" cy="2205264"/>
+          </a:xfrm>
+          <a:prstGeom prst="rect">
+            <a:avLst/>
+          </a:prstGeom>
+          <a:noFill/>
+          <a:extLst>
+            <a:ext uri="{909E8E84-426E-40DD-AFC4-6F175D3DCCD1}">
+              <a14:hiddenFill xmlns:a14="http://schemas.microsoft.com/office/drawing/2010/main">
+                <a:solidFill>
+                  <a:srgbClr val="FFFFFF"/>
+                </a:solidFill>
+              </a14:hiddenFill>
+            </a:ext>
+          </a:extLst>
+        </p:spPr>
+      </p:pic>
+    </p:spTree>
+    <p:extLst>
+      <p:ext uri="{BB962C8B-B14F-4D97-AF65-F5344CB8AC3E}">
+        <p14:creationId xmlns:p14="http://schemas.microsoft.com/office/powerpoint/2010/main" val="637939862"/>
+      </p:ext>
+    </p:extLst>
+  </p:cSld>
+  <p:clrMapOvr>
+    <a:masterClrMapping/>
+  </p:clrMapOvr>
+</p:sld>
+</file>
+
+<file path=ppt/slides/slide16.xml><?xml version="1.0" encoding="utf-8"?>
+<p:sld xmlns:a="http://schemas.openxmlformats.org/drawingml/2006/main" xmlns:r="http://schemas.openxmlformats.org/officeDocument/2006/relationships" xmlns:p="http://schemas.openxmlformats.org/presentationml/2006/main">
+  <p:cSld>
+    <p:spTree>
+      <p:nvGrpSpPr>
+        <p:cNvPr id="1" name=""/>
+        <p:cNvGrpSpPr/>
+        <p:nvPr/>
+      </p:nvGrpSpPr>
+      <p:grpSpPr>
+        <a:xfrm>
+          <a:off x="0" y="0"/>
+          <a:ext cx="0" cy="0"/>
+          <a:chOff x="0" y="0"/>
+          <a:chExt cx="0" cy="0"/>
+        </a:xfrm>
+      </p:grpSpPr>
+      <p:sp>
+        <p:nvSpPr>
+          <p:cNvPr id="2" name="Title 1">
+            <a:extLst>
+              <a:ext uri="{FF2B5EF4-FFF2-40B4-BE49-F238E27FC236}">
+                <a16:creationId xmlns:a16="http://schemas.microsoft.com/office/drawing/2014/main" id="{8773A0BD-3018-DB47-9E05-5D6500DBE05A}"/>
+              </a:ext>
+            </a:extLst>
+          </p:cNvPr>
+          <p:cNvSpPr>
+            <a:spLocks noGrp="1"/>
+          </p:cNvSpPr>
+          <p:nvPr>
+            <p:ph type="title"/>
+          </p:nvPr>
+        </p:nvSpPr>
+        <p:spPr/>
+        <p:txBody>
+          <a:bodyPr/>
+          <a:lstStyle/>
+          <a:p>
+            <a:r>
+              <a:rPr lang="en-US" dirty="0"/>
+              <a:t>Gradient Boosting steps: Update Predictions and new Residuals</a:t>
+            </a:r>
+          </a:p>
+        </p:txBody>
+      </p:sp>
+      <p:sp>
+        <p:nvSpPr>
+          <p:cNvPr id="3" name="Content Placeholder 2">
+            <a:extLst>
+              <a:ext uri="{FF2B5EF4-FFF2-40B4-BE49-F238E27FC236}">
+                <a16:creationId xmlns:a16="http://schemas.microsoft.com/office/drawing/2014/main" id="{F0CE8630-1C46-E349-851F-F9185A7876F6}"/>
+              </a:ext>
+            </a:extLst>
+          </p:cNvPr>
+          <p:cNvSpPr>
+            <a:spLocks noGrp="1"/>
+          </p:cNvSpPr>
+          <p:nvPr>
+            <p:ph idx="1"/>
+          </p:nvPr>
+        </p:nvSpPr>
+        <p:spPr/>
+        <p:txBody>
+          <a:bodyPr/>
+          <a:lstStyle/>
+          <a:p>
+            <a:endParaRPr lang="en-US"/>
+          </a:p>
+        </p:txBody>
+      </p:sp>
+      <p:pic>
+        <p:nvPicPr>
+          <p:cNvPr id="14338" name="Picture 2" descr="image">
+            <a:extLst>
+              <a:ext uri="{FF2B5EF4-FFF2-40B4-BE49-F238E27FC236}">
+                <a16:creationId xmlns:a16="http://schemas.microsoft.com/office/drawing/2014/main" id="{59B09A64-FD9F-6C44-8E3D-D36F7F344EBF}"/>
+              </a:ext>
+            </a:extLst>
+          </p:cNvPr>
+          <p:cNvPicPr>
+            <a:picLocks noChangeAspect="1" noChangeArrowheads="1"/>
+          </p:cNvPicPr>
+          <p:nvPr/>
+        </p:nvPicPr>
+        <p:blipFill>
+          <a:blip r:embed="rId2">
+            <a:extLst>
+              <a:ext uri="{28A0092B-C50C-407E-A947-70E740481C1C}">
+                <a14:useLocalDpi xmlns:a14="http://schemas.microsoft.com/office/drawing/2010/main" val="0"/>
+              </a:ext>
+            </a:extLst>
+          </a:blip>
+          <a:srcRect/>
+          <a:stretch>
+            <a:fillRect/>
+          </a:stretch>
+        </p:blipFill>
+        <p:spPr bwMode="auto">
+          <a:xfrm>
+            <a:off x="177800" y="2120900"/>
+            <a:ext cx="11836400" cy="4737100"/>
+          </a:xfrm>
+          <a:prstGeom prst="rect">
+            <a:avLst/>
+          </a:prstGeom>
+          <a:noFill/>
+          <a:extLst>
+            <a:ext uri="{909E8E84-426E-40DD-AFC4-6F175D3DCCD1}">
+              <a14:hiddenFill xmlns:a14="http://schemas.microsoft.com/office/drawing/2010/main">
+                <a:solidFill>
+                  <a:srgbClr val="FFFFFF"/>
+                </a:solidFill>
+              </a14:hiddenFill>
+            </a:ext>
+          </a:extLst>
+        </p:spPr>
+      </p:pic>
+    </p:spTree>
+    <p:extLst>
+      <p:ext uri="{BB962C8B-B14F-4D97-AF65-F5344CB8AC3E}">
+        <p14:creationId xmlns:p14="http://schemas.microsoft.com/office/powerpoint/2010/main" val="3681913724"/>
+      </p:ext>
+    </p:extLst>
+  </p:cSld>
+  <p:clrMapOvr>
+    <a:masterClrMapping/>
+  </p:clrMapOvr>
+</p:sld>
+</file>
+
+<file path=ppt/slides/slide17.xml><?xml version="1.0" encoding="utf-8"?>
+<p:sld xmlns:a="http://schemas.openxmlformats.org/drawingml/2006/main" xmlns:r="http://schemas.openxmlformats.org/officeDocument/2006/relationships" xmlns:p="http://schemas.openxmlformats.org/presentationml/2006/main">
+  <p:cSld>
+    <p:spTree>
+      <p:nvGrpSpPr>
+        <p:cNvPr id="1" name=""/>
+        <p:cNvGrpSpPr/>
+        <p:nvPr/>
+      </p:nvGrpSpPr>
+      <p:grpSpPr>
+        <a:xfrm>
+          <a:off x="0" y="0"/>
+          <a:ext cx="0" cy="0"/>
+          <a:chOff x="0" y="0"/>
+          <a:chExt cx="0" cy="0"/>
+        </a:xfrm>
+      </p:grpSpPr>
+      <p:sp>
+        <p:nvSpPr>
+          <p:cNvPr id="2" name="Title 1">
+            <a:extLst>
+              <a:ext uri="{FF2B5EF4-FFF2-40B4-BE49-F238E27FC236}">
+                <a16:creationId xmlns:a16="http://schemas.microsoft.com/office/drawing/2014/main" id="{93633744-FB34-2A41-9E7B-2B576461689D}"/>
+              </a:ext>
+            </a:extLst>
+          </p:cNvPr>
+          <p:cNvSpPr>
+            <a:spLocks noGrp="1"/>
+          </p:cNvSpPr>
+          <p:nvPr>
+            <p:ph type="title"/>
+          </p:nvPr>
+        </p:nvSpPr>
+        <p:spPr/>
+        <p:txBody>
+          <a:bodyPr/>
+          <a:lstStyle/>
+          <a:p>
+            <a:r>
+              <a:rPr lang="en-US" dirty="0"/>
+              <a:t>Gradient Boosting steps: Fit new model on new Residuals, repeat</a:t>
+            </a:r>
+          </a:p>
+        </p:txBody>
+      </p:sp>
+      <p:sp>
+        <p:nvSpPr>
+          <p:cNvPr id="3" name="Content Placeholder 2">
+            <a:extLst>
+              <a:ext uri="{FF2B5EF4-FFF2-40B4-BE49-F238E27FC236}">
+                <a16:creationId xmlns:a16="http://schemas.microsoft.com/office/drawing/2014/main" id="{E38AE999-E727-404A-8D99-822ECC5B4D3E}"/>
+              </a:ext>
+            </a:extLst>
+          </p:cNvPr>
+          <p:cNvSpPr>
+            <a:spLocks noGrp="1"/>
+          </p:cNvSpPr>
+          <p:nvPr>
+            <p:ph idx="1"/>
+          </p:nvPr>
+        </p:nvSpPr>
+        <p:spPr/>
+        <p:txBody>
+          <a:bodyPr/>
+          <a:lstStyle/>
+          <a:p>
+            <a:endParaRPr lang="en-US"/>
+          </a:p>
+        </p:txBody>
+      </p:sp>
+      <p:pic>
+        <p:nvPicPr>
+          <p:cNvPr id="5" name="Picture 4">
+            <a:extLst>
+              <a:ext uri="{FF2B5EF4-FFF2-40B4-BE49-F238E27FC236}">
+                <a16:creationId xmlns:a16="http://schemas.microsoft.com/office/drawing/2014/main" id="{780510AE-8460-F344-8A95-E240950CDF2C}"/>
+              </a:ext>
+            </a:extLst>
+          </p:cNvPr>
+          <p:cNvPicPr>
+            <a:picLocks noChangeAspect="1"/>
+          </p:cNvPicPr>
+          <p:nvPr/>
+        </p:nvPicPr>
+        <p:blipFill>
+          <a:blip r:embed="rId2"/>
+          <a:stretch>
+            <a:fillRect/>
+          </a:stretch>
+        </p:blipFill>
+        <p:spPr>
+          <a:xfrm>
+            <a:off x="0" y="2343571"/>
+            <a:ext cx="12192000" cy="2170857"/>
+          </a:xfrm>
+          <a:prstGeom prst="rect">
+            <a:avLst/>
+          </a:prstGeom>
+        </p:spPr>
+      </p:pic>
+    </p:spTree>
+    <p:extLst>
+      <p:ext uri="{BB962C8B-B14F-4D97-AF65-F5344CB8AC3E}">
+        <p14:creationId xmlns:p14="http://schemas.microsoft.com/office/powerpoint/2010/main" val="1473697496"/>
+      </p:ext>
+    </p:extLst>
+  </p:cSld>
+  <p:clrMapOvr>
+    <a:masterClrMapping/>
+  </p:clrMapOvr>
+</p:sld>
+</file>
+
+<file path=ppt/slides/slide18.xml><?xml version="1.0" encoding="utf-8"?>
+<p:sld xmlns:a="http://schemas.openxmlformats.org/drawingml/2006/main" xmlns:r="http://schemas.openxmlformats.org/officeDocument/2006/relationships" xmlns:p="http://schemas.openxmlformats.org/presentationml/2006/main" show="0">
+  <p:cSld>
+    <p:spTree>
+      <p:nvGrpSpPr>
+        <p:cNvPr id="1" name=""/>
+        <p:cNvGrpSpPr/>
+        <p:nvPr/>
+      </p:nvGrpSpPr>
+      <p:grpSpPr>
+        <a:xfrm>
+          <a:off x="0" y="0"/>
+          <a:ext cx="0" cy="0"/>
+          <a:chOff x="0" y="0"/>
+          <a:chExt cx="0" cy="0"/>
+        </a:xfrm>
+      </p:grpSpPr>
+      <p:sp>
+        <p:nvSpPr>
+          <p:cNvPr id="2" name="Title 1">
+            <a:extLst>
+              <a:ext uri="{FF2B5EF4-FFF2-40B4-BE49-F238E27FC236}">
                 <a16:creationId xmlns:a16="http://schemas.microsoft.com/office/drawing/2014/main" id="{9834F6DA-EC3B-0641-A25C-0BAE26E716C5}"/>
               </a:ext>
             </a:extLst>
@@ -4245,7 +5165,7 @@
 </p:sld>
 </file>
 
-<file path=ppt/slides/slide14.xml><?xml version="1.0" encoding="utf-8"?>
+<file path=ppt/slides/slide19.xml><?xml version="1.0" encoding="utf-8"?>
 <p:sld xmlns:a="http://schemas.openxmlformats.org/drawingml/2006/main" xmlns:r="http://schemas.openxmlformats.org/officeDocument/2006/relationships" xmlns:p="http://schemas.openxmlformats.org/presentationml/2006/main">
   <p:cSld>
     <p:spTree>
@@ -4609,7 +5529,153 @@
 </p:sld>
 </file>
 
-<file path=ppt/slides/slide15.xml><?xml version="1.0" encoding="utf-8"?>
+<file path=ppt/slides/slide2.xml><?xml version="1.0" encoding="utf-8"?>
+<p:sld xmlns:a="http://schemas.openxmlformats.org/drawingml/2006/main" xmlns:r="http://schemas.openxmlformats.org/officeDocument/2006/relationships" xmlns:p="http://schemas.openxmlformats.org/presentationml/2006/main">
+  <p:cSld>
+    <p:spTree>
+      <p:nvGrpSpPr>
+        <p:cNvPr id="1" name=""/>
+        <p:cNvGrpSpPr/>
+        <p:nvPr/>
+      </p:nvGrpSpPr>
+      <p:grpSpPr>
+        <a:xfrm>
+          <a:off x="0" y="0"/>
+          <a:ext cx="0" cy="0"/>
+          <a:chOff x="0" y="0"/>
+          <a:chExt cx="0" cy="0"/>
+        </a:xfrm>
+      </p:grpSpPr>
+      <p:sp>
+        <p:nvSpPr>
+          <p:cNvPr id="2" name="Title 1">
+            <a:extLst>
+              <a:ext uri="{FF2B5EF4-FFF2-40B4-BE49-F238E27FC236}">
+                <a16:creationId xmlns:a16="http://schemas.microsoft.com/office/drawing/2014/main" id="{FD1DE768-77C4-9245-BBBE-EA31F326A084}"/>
+              </a:ext>
+            </a:extLst>
+          </p:cNvPr>
+          <p:cNvSpPr>
+            <a:spLocks noGrp="1"/>
+          </p:cNvSpPr>
+          <p:nvPr>
+            <p:ph type="title"/>
+          </p:nvPr>
+        </p:nvSpPr>
+        <p:spPr/>
+        <p:txBody>
+          <a:bodyPr/>
+          <a:lstStyle/>
+          <a:p>
+            <a:r>
+              <a:rPr lang="en-US" dirty="0"/>
+              <a:t>Boosting vs Bagging</a:t>
+            </a:r>
+          </a:p>
+        </p:txBody>
+      </p:sp>
+      <p:sp>
+        <p:nvSpPr>
+          <p:cNvPr id="3" name="Content Placeholder 2">
+            <a:extLst>
+              <a:ext uri="{FF2B5EF4-FFF2-40B4-BE49-F238E27FC236}">
+                <a16:creationId xmlns:a16="http://schemas.microsoft.com/office/drawing/2014/main" id="{6106DCE0-1413-5040-8818-655EEFA318B1}"/>
+              </a:ext>
+            </a:extLst>
+          </p:cNvPr>
+          <p:cNvSpPr>
+            <a:spLocks noGrp="1"/>
+          </p:cNvSpPr>
+          <p:nvPr>
+            <p:ph idx="1"/>
+          </p:nvPr>
+        </p:nvSpPr>
+        <p:spPr>
+          <a:xfrm>
+            <a:off x="1451579" y="2015732"/>
+            <a:ext cx="9603275" cy="4037749"/>
+          </a:xfrm>
+        </p:spPr>
+        <p:txBody>
+          <a:bodyPr/>
+          <a:lstStyle/>
+          <a:p>
+            <a:r>
+              <a:rPr lang="en-US" dirty="0"/>
+              <a:t>Early in the semester we looked at some ensembles – bagging:</a:t>
+            </a:r>
+          </a:p>
+          <a:p>
+            <a:pPr lvl="1"/>
+            <a:r>
+              <a:rPr lang="en-US" dirty="0"/>
+              <a:t>E.g. Random forest.</a:t>
+            </a:r>
+          </a:p>
+          <a:p>
+            <a:pPr lvl="1"/>
+            <a:r>
+              <a:rPr lang="en-US" dirty="0"/>
+              <a:t>Employed many models in parallel, “averaged” their predictions to make final prediction. </a:t>
+            </a:r>
+          </a:p>
+          <a:p>
+            <a:pPr lvl="1"/>
+            <a:r>
+              <a:rPr lang="en-US" dirty="0"/>
+              <a:t>Generally outperforms individual models, particularly in preventing overfitting. </a:t>
+            </a:r>
+          </a:p>
+          <a:p>
+            <a:pPr lvl="1"/>
+            <a:r>
+              <a:rPr lang="en-US" dirty="0"/>
+              <a:t>Each individual model runs independent of the others. </a:t>
+            </a:r>
+          </a:p>
+          <a:p>
+            <a:r>
+              <a:rPr lang="en-US" dirty="0"/>
+              <a:t>Another ensemble technique is boosting:</a:t>
+            </a:r>
+          </a:p>
+          <a:p>
+            <a:pPr lvl="1"/>
+            <a:r>
+              <a:rPr lang="en-US" dirty="0"/>
+              <a:t>Multiple copies of a model used. </a:t>
+            </a:r>
+          </a:p>
+          <a:p>
+            <a:pPr lvl="1"/>
+            <a:r>
+              <a:rPr lang="en-US" dirty="0"/>
+              <a:t>Results of one model are used to improve the next, sequentially. </a:t>
+            </a:r>
+          </a:p>
+          <a:p>
+            <a:pPr lvl="1"/>
+            <a:r>
+              <a:rPr lang="en-US" dirty="0"/>
+              <a:t>Utilizes weak learners. </a:t>
+            </a:r>
+          </a:p>
+        </p:txBody>
+      </p:sp>
+    </p:spTree>
+    <p:extLst>
+      <p:ext uri="{BB962C8B-B14F-4D97-AF65-F5344CB8AC3E}">
+        <p14:creationId xmlns:p14="http://schemas.microsoft.com/office/powerpoint/2010/main" val="1185890730"/>
+      </p:ext>
+    </p:extLst>
+  </p:cSld>
+  <p:clrMapOvr>
+    <a:masterClrMapping/>
+  </p:clrMapOvr>
+</p:sld>
+</file>
+
+<file path=ppt/slides/slide20.xml><?xml version="1.0" encoding="utf-8"?>
 <p:sld xmlns:a="http://schemas.openxmlformats.org/drawingml/2006/main" xmlns:r="http://schemas.openxmlformats.org/officeDocument/2006/relationships" xmlns:p="http://schemas.openxmlformats.org/presentationml/2006/main">
   <p:cSld>
     <p:spTree>
@@ -4719,7 +5785,7 @@
 </p:sld>
 </file>
 
-<file path=ppt/slides/slide16.xml><?xml version="1.0" encoding="utf-8"?>
+<file path=ppt/slides/slide21.xml><?xml version="1.0" encoding="utf-8"?>
 <p:sld xmlns:a="http://schemas.openxmlformats.org/drawingml/2006/main" xmlns:r="http://schemas.openxmlformats.org/officeDocument/2006/relationships" xmlns:p="http://schemas.openxmlformats.org/presentationml/2006/main">
   <p:cSld>
     <p:spTree>
@@ -4754,7 +5820,9 @@
         </p:nvSpPr>
         <p:spPr/>
         <p:txBody>
-          <a:bodyPr/>
+          <a:bodyPr>
+            <a:normAutofit/>
+          </a:bodyPr>
           <a:lstStyle/>
           <a:p>
             <a:r>
@@ -4763,7 +5831,15 @@
             </a:r>
             <a:r>
               <a:rPr lang="en-US" dirty="0"/>
-              <a:t> – Extreme Gradient Boosting</a:t>
+              <a:t> – E</a:t>
+            </a:r>
+            <a:r>
+              <a:rPr lang="en-US" sz="6700" dirty="0"/>
+              <a:t>x</a:t>
+            </a:r>
+            <a:r>
+              <a:rPr lang="en-US" dirty="0"/>
+              <a:t>treme Gradient Boosting</a:t>
             </a:r>
           </a:p>
         </p:txBody>
@@ -4847,10 +5923,9 @@
               <a:t>LightGBM</a:t>
             </a:r>
             <a:r>
-              <a:rPr lang="en-US"/>
+              <a:rPr lang="en-US" dirty="0"/>
               <a:t>. </a:t>
             </a:r>
-            <a:endParaRPr lang="en-US" dirty="0"/>
           </a:p>
           <a:p>
             <a:r>
@@ -4913,7 +5988,7 @@
 </p:sld>
 </file>
 
-<file path=ppt/slides/slide17.xml><?xml version="1.0" encoding="utf-8"?>
+<file path=ppt/slides/slide22.xml><?xml version="1.0" encoding="utf-8"?>
 <p:sld xmlns:a="http://schemas.openxmlformats.org/drawingml/2006/main" xmlns:r="http://schemas.openxmlformats.org/officeDocument/2006/relationships" xmlns:p="http://schemas.openxmlformats.org/presentationml/2006/main">
   <p:cSld>
     <p:spTree>
@@ -4977,11 +6052,13 @@
         <p:spPr>
           <a:xfrm>
             <a:off x="1451579" y="2015732"/>
-            <a:ext cx="9603275" cy="4037749"/>
+            <a:ext cx="9603275" cy="4128590"/>
           </a:xfrm>
         </p:spPr>
         <p:txBody>
-          <a:bodyPr/>
+          <a:bodyPr>
+            <a:normAutofit lnSpcReduction="10000"/>
+          </a:bodyPr>
           <a:lstStyle/>
           <a:p>
             <a:r>
@@ -5020,6 +6097,19 @@
             <a:r>
               <a:rPr lang="en-US" dirty="0"/>
               <a:t>Stacking tends to increase performance on average. </a:t>
+            </a:r>
+          </a:p>
+          <a:p>
+            <a:pPr lvl="1"/>
+            <a:r>
+              <a:rPr lang="en-US" dirty="0"/>
+              <a:t>Generally, reduces variance. </a:t>
+            </a:r>
+          </a:p>
+          <a:p>
+            <a:r>
+              <a:rPr lang="en-US" dirty="0"/>
+              <a:t>Slower to train and to predict. </a:t>
             </a:r>
           </a:p>
           <a:p>
@@ -5040,7 +6130,7 @@
 </p:sld>
 </file>
 
-<file path=ppt/slides/slide18.xml><?xml version="1.0" encoding="utf-8"?>
+<file path=ppt/slides/slide23.xml><?xml version="1.0" encoding="utf-8"?>
 <p:sld xmlns:a="http://schemas.openxmlformats.org/drawingml/2006/main" xmlns:r="http://schemas.openxmlformats.org/officeDocument/2006/relationships" xmlns:p="http://schemas.openxmlformats.org/presentationml/2006/main">
   <p:cSld>
     <p:spTree>
@@ -5165,7 +6255,7 @@
 </p:sld>
 </file>
 
-<file path=ppt/slides/slide19.xml><?xml version="1.0" encoding="utf-8"?>
+<file path=ppt/slides/slide24.xml><?xml version="1.0" encoding="utf-8"?>
 <p:sld xmlns:a="http://schemas.openxmlformats.org/drawingml/2006/main" xmlns:r="http://schemas.openxmlformats.org/officeDocument/2006/relationships" xmlns:p="http://schemas.openxmlformats.org/presentationml/2006/main">
   <p:cSld>
     <p:spTree>
@@ -5324,152 +6414,6 @@
     <p:extLst>
       <p:ext uri="{BB962C8B-B14F-4D97-AF65-F5344CB8AC3E}">
         <p14:creationId xmlns:p14="http://schemas.microsoft.com/office/powerpoint/2010/main" val="1515088144"/>
-      </p:ext>
-    </p:extLst>
-  </p:cSld>
-  <p:clrMapOvr>
-    <a:masterClrMapping/>
-  </p:clrMapOvr>
-</p:sld>
-</file>
-
-<file path=ppt/slides/slide2.xml><?xml version="1.0" encoding="utf-8"?>
-<p:sld xmlns:a="http://schemas.openxmlformats.org/drawingml/2006/main" xmlns:r="http://schemas.openxmlformats.org/officeDocument/2006/relationships" xmlns:p="http://schemas.openxmlformats.org/presentationml/2006/main">
-  <p:cSld>
-    <p:spTree>
-      <p:nvGrpSpPr>
-        <p:cNvPr id="1" name=""/>
-        <p:cNvGrpSpPr/>
-        <p:nvPr/>
-      </p:nvGrpSpPr>
-      <p:grpSpPr>
-        <a:xfrm>
-          <a:off x="0" y="0"/>
-          <a:ext cx="0" cy="0"/>
-          <a:chOff x="0" y="0"/>
-          <a:chExt cx="0" cy="0"/>
-        </a:xfrm>
-      </p:grpSpPr>
-      <p:sp>
-        <p:nvSpPr>
-          <p:cNvPr id="2" name="Title 1">
-            <a:extLst>
-              <a:ext uri="{FF2B5EF4-FFF2-40B4-BE49-F238E27FC236}">
-                <a16:creationId xmlns:a16="http://schemas.microsoft.com/office/drawing/2014/main" id="{FD1DE768-77C4-9245-BBBE-EA31F326A084}"/>
-              </a:ext>
-            </a:extLst>
-          </p:cNvPr>
-          <p:cNvSpPr>
-            <a:spLocks noGrp="1"/>
-          </p:cNvSpPr>
-          <p:nvPr>
-            <p:ph type="title"/>
-          </p:nvPr>
-        </p:nvSpPr>
-        <p:spPr/>
-        <p:txBody>
-          <a:bodyPr/>
-          <a:lstStyle/>
-          <a:p>
-            <a:r>
-              <a:rPr lang="en-US" dirty="0"/>
-              <a:t>Boosting vs Bagging</a:t>
-            </a:r>
-          </a:p>
-        </p:txBody>
-      </p:sp>
-      <p:sp>
-        <p:nvSpPr>
-          <p:cNvPr id="3" name="Content Placeholder 2">
-            <a:extLst>
-              <a:ext uri="{FF2B5EF4-FFF2-40B4-BE49-F238E27FC236}">
-                <a16:creationId xmlns:a16="http://schemas.microsoft.com/office/drawing/2014/main" id="{6106DCE0-1413-5040-8818-655EEFA318B1}"/>
-              </a:ext>
-            </a:extLst>
-          </p:cNvPr>
-          <p:cNvSpPr>
-            <a:spLocks noGrp="1"/>
-          </p:cNvSpPr>
-          <p:nvPr>
-            <p:ph idx="1"/>
-          </p:nvPr>
-        </p:nvSpPr>
-        <p:spPr>
-          <a:xfrm>
-            <a:off x="1451579" y="2015732"/>
-            <a:ext cx="9603275" cy="4037749"/>
-          </a:xfrm>
-        </p:spPr>
-        <p:txBody>
-          <a:bodyPr/>
-          <a:lstStyle/>
-          <a:p>
-            <a:r>
-              <a:rPr lang="en-US" dirty="0"/>
-              <a:t>Early in the semester we looked at some ensembles – bagging:</a:t>
-            </a:r>
-          </a:p>
-          <a:p>
-            <a:pPr lvl="1"/>
-            <a:r>
-              <a:rPr lang="en-US" dirty="0"/>
-              <a:t>E.g. Random forest.</a:t>
-            </a:r>
-          </a:p>
-          <a:p>
-            <a:pPr lvl="1"/>
-            <a:r>
-              <a:rPr lang="en-US" dirty="0"/>
-              <a:t>Employed many models in parallel, “averaged” their predictions to make final prediction. </a:t>
-            </a:r>
-          </a:p>
-          <a:p>
-            <a:pPr lvl="1"/>
-            <a:r>
-              <a:rPr lang="en-US" dirty="0"/>
-              <a:t>Generally outperforms individual models, particularly in preventing overfitting. </a:t>
-            </a:r>
-          </a:p>
-          <a:p>
-            <a:pPr lvl="1"/>
-            <a:r>
-              <a:rPr lang="en-US" dirty="0"/>
-              <a:t>Each individual model runs independent of the others. </a:t>
-            </a:r>
-          </a:p>
-          <a:p>
-            <a:r>
-              <a:rPr lang="en-US" dirty="0"/>
-              <a:t>Another ensemble technique is boosting:</a:t>
-            </a:r>
-          </a:p>
-          <a:p>
-            <a:pPr lvl="1"/>
-            <a:r>
-              <a:rPr lang="en-US" dirty="0"/>
-              <a:t>Multiple copies of a model used. </a:t>
-            </a:r>
-          </a:p>
-          <a:p>
-            <a:pPr lvl="1"/>
-            <a:r>
-              <a:rPr lang="en-US" dirty="0"/>
-              <a:t>Results of one model are used to improve the next, sequentially. </a:t>
-            </a:r>
-          </a:p>
-          <a:p>
-            <a:pPr lvl="1"/>
-            <a:r>
-              <a:rPr lang="en-US" dirty="0"/>
-              <a:t>Utilizes weak learners. </a:t>
-            </a:r>
-          </a:p>
-        </p:txBody>
-      </p:sp>
-    </p:spTree>
-    <p:extLst>
-      <p:ext uri="{BB962C8B-B14F-4D97-AF65-F5344CB8AC3E}">
-        <p14:creationId xmlns:p14="http://schemas.microsoft.com/office/powerpoint/2010/main" val="1185890730"/>
       </p:ext>
     </p:extLst>
   </p:cSld>
@@ -5726,14 +6670,22 @@
           <a:p>
             <a:r>
               <a:rPr lang="en-US" dirty="0"/>
-              <a:t>Boosting usually uses a simple decision tree, a stump, as the base learner. </a:t>
+              <a:t>Boosting usually uses a simple decision tree, such as a stump, as the base learner. </a:t>
             </a:r>
           </a:p>
           <a:p>
             <a:pPr lvl="1"/>
             <a:r>
               <a:rPr lang="en-US" dirty="0"/>
-              <a:t>Other simple versions of SVM, regression, or even neural networks can be used. </a:t>
+              <a:t>Other simple versions of SVM, regression, Bayes, </a:t>
+            </a:r>
+            <a:r>
+              <a:rPr lang="en-US" dirty="0" err="1"/>
+              <a:t>etc</a:t>
+            </a:r>
+            <a:r>
+              <a:rPr lang="en-US" dirty="0"/>
+              <a:t> can be used. </a:t>
             </a:r>
           </a:p>
         </p:txBody>
